--- a/SEMINAR/Seminar.pptx
+++ b/SEMINAR/Seminar.pptx
@@ -5,7 +5,7 @@
     <p:sldMasterId id="2147483648" r:id="rId1"/>
   </p:sldMasterIdLst>
   <p:notesMasterIdLst>
-    <p:notesMasterId r:id="rId16"/>
+    <p:notesMasterId r:id="rId17"/>
   </p:notesMasterIdLst>
   <p:sldIdLst>
     <p:sldId id="256" r:id="rId2"/>
@@ -21,7 +21,8 @@
     <p:sldId id="263" r:id="rId12"/>
     <p:sldId id="266" r:id="rId13"/>
     <p:sldId id="264" r:id="rId14"/>
-    <p:sldId id="282" r:id="rId15"/>
+    <p:sldId id="283" r:id="rId15"/>
+    <p:sldId id="282" r:id="rId16"/>
   </p:sldIdLst>
   <p:sldSz cx="12192000" cy="6858000"/>
   <p:notesSz cx="6858000" cy="9144000"/>
@@ -210,7 +211,7 @@
           <a:p>
             <a:fld id="{8D6F176A-20DB-419A-A316-CB18727BE9E7}" type="datetimeFigureOut">
               <a:rPr lang="en-US" smtClean="0"/>
-              <a:t>27/04/2018</a:t>
+              <a:t>14/05/2018</a:t>
             </a:fld>
             <a:endParaRPr lang="en-US"/>
           </a:p>
@@ -643,7 +644,7 @@
           <a:p>
             <a:fld id="{88D01429-BA7F-4469-87DB-0548295C10A9}" type="datetime1">
               <a:rPr lang="en-US" smtClean="0"/>
-              <a:t>27/04/2018</a:t>
+              <a:t>14/05/2018</a:t>
             </a:fld>
             <a:endParaRPr lang="en-US"/>
           </a:p>
@@ -950,7 +951,7 @@
           <a:p>
             <a:fld id="{52695B30-10D3-41F9-A859-BCD91930A355}" type="datetime1">
               <a:rPr lang="en-US" smtClean="0"/>
-              <a:t>27/04/2018</a:t>
+              <a:t>14/05/2018</a:t>
             </a:fld>
             <a:endParaRPr lang="en-US"/>
           </a:p>
@@ -1167,7 +1168,7 @@
           <a:p>
             <a:fld id="{83E69A3D-6127-46F6-9C7C-CC3A0E1FFDD1}" type="datetime1">
               <a:rPr lang="en-US" smtClean="0"/>
-              <a:t>27/04/2018</a:t>
+              <a:t>14/05/2018</a:t>
             </a:fld>
             <a:endParaRPr lang="en-US"/>
           </a:p>
@@ -1453,7 +1454,7 @@
           <a:p>
             <a:fld id="{99998E29-EE15-4B8F-AA0A-74E89FDE28FE}" type="datetime1">
               <a:rPr lang="en-US" smtClean="0"/>
-              <a:t>27/04/2018</a:t>
+              <a:t>14/05/2018</a:t>
             </a:fld>
             <a:endParaRPr lang="en-US"/>
           </a:p>
@@ -1902,7 +1903,7 @@
           <a:p>
             <a:fld id="{6DE933E9-C4D6-4372-91B7-E82F7D51DCB7}" type="datetime1">
               <a:rPr lang="en-US" smtClean="0"/>
-              <a:t>27/04/2018</a:t>
+              <a:t>14/05/2018</a:t>
             </a:fld>
             <a:endParaRPr lang="en-US"/>
           </a:p>
@@ -2473,7 +2474,7 @@
           <a:p>
             <a:fld id="{000E013C-2778-4DE1-8656-D1F69B4ABB07}" type="datetime1">
               <a:rPr lang="en-US" smtClean="0"/>
-              <a:t>27/04/2018</a:t>
+              <a:t>14/05/2018</a:t>
             </a:fld>
             <a:endParaRPr lang="en-US"/>
           </a:p>
@@ -3320,7 +3321,7 @@
           <a:p>
             <a:fld id="{C84298BA-0A92-4606-B9E1-7E80DE9546BF}" type="datetime1">
               <a:rPr lang="en-US" smtClean="0"/>
-              <a:t>27/04/2018</a:t>
+              <a:t>14/05/2018</a:t>
             </a:fld>
             <a:endParaRPr lang="en-US"/>
           </a:p>
@@ -3520,7 +3521,7 @@
           <a:p>
             <a:fld id="{D2583EDF-D5B5-43EA-A179-877D2932B254}" type="datetime1">
               <a:rPr lang="en-US" smtClean="0"/>
-              <a:t>27/04/2018</a:t>
+              <a:t>14/05/2018</a:t>
             </a:fld>
             <a:endParaRPr lang="en-US"/>
           </a:p>
@@ -3729,7 +3730,7 @@
           <a:p>
             <a:fld id="{74E557E1-0AEB-47C6-A698-960411513F23}" type="datetime1">
               <a:rPr lang="en-US" smtClean="0"/>
-              <a:t>27/04/2018</a:t>
+              <a:t>14/05/2018</a:t>
             </a:fld>
             <a:endParaRPr lang="en-US"/>
           </a:p>
@@ -3929,7 +3930,7 @@
           <a:p>
             <a:fld id="{4F54B63A-A422-47DF-8959-0F2BAFC78F5D}" type="datetime1">
               <a:rPr lang="en-US" smtClean="0"/>
-              <a:t>27/04/2018</a:t>
+              <a:t>14/05/2018</a:t>
             </a:fld>
             <a:endParaRPr lang="en-US"/>
           </a:p>
@@ -4204,7 +4205,7 @@
           <a:p>
             <a:fld id="{7AB1CA06-7AD4-4894-94AF-95E0E2513B72}" type="datetime1">
               <a:rPr lang="en-US" smtClean="0"/>
-              <a:t>27/04/2018</a:t>
+              <a:t>14/05/2018</a:t>
             </a:fld>
             <a:endParaRPr lang="en-US"/>
           </a:p>
@@ -4466,7 +4467,7 @@
           <a:p>
             <a:fld id="{02AFCF8F-6457-4E98-8A92-AD422F2DE2DD}" type="datetime1">
               <a:rPr lang="en-US" smtClean="0"/>
-              <a:t>27/04/2018</a:t>
+              <a:t>14/05/2018</a:t>
             </a:fld>
             <a:endParaRPr lang="en-US"/>
           </a:p>
@@ -4876,7 +4877,7 @@
           <a:p>
             <a:fld id="{B78901DD-A918-4B09-99CB-D4559AE441DE}" type="datetime1">
               <a:rPr lang="en-US" smtClean="0"/>
-              <a:t>27/04/2018</a:t>
+              <a:t>14/05/2018</a:t>
             </a:fld>
             <a:endParaRPr lang="en-US"/>
           </a:p>
@@ -5019,7 +5020,7 @@
           <a:p>
             <a:fld id="{CD8A6D92-F2D7-4404-B25E-944AA2355307}" type="datetime1">
               <a:rPr lang="en-US" smtClean="0"/>
-              <a:t>27/04/2018</a:t>
+              <a:t>14/05/2018</a:t>
             </a:fld>
             <a:endParaRPr lang="en-US"/>
           </a:p>
@@ -5139,7 +5140,7 @@
           <a:p>
             <a:fld id="{1AAE86A8-E964-4873-8C46-7ECA4F2106B8}" type="datetime1">
               <a:rPr lang="en-US" smtClean="0"/>
-              <a:t>27/04/2018</a:t>
+              <a:t>14/05/2018</a:t>
             </a:fld>
             <a:endParaRPr lang="en-US"/>
           </a:p>
@@ -5413,7 +5414,7 @@
           <a:p>
             <a:fld id="{7B3420EA-0922-44EA-9E5F-D072AE7DE1A3}" type="datetime1">
               <a:rPr lang="en-US" smtClean="0"/>
-              <a:t>27/04/2018</a:t>
+              <a:t>14/05/2018</a:t>
             </a:fld>
             <a:endParaRPr lang="en-US"/>
           </a:p>
@@ -5720,7 +5721,7 @@
           <a:p>
             <a:fld id="{31D63C95-EB5A-4B80-86C7-AC8D2A04E2B5}" type="datetime1">
               <a:rPr lang="en-US" smtClean="0"/>
-              <a:t>27/04/2018</a:t>
+              <a:t>14/05/2018</a:t>
             </a:fld>
             <a:endParaRPr lang="en-US"/>
           </a:p>
@@ -5967,7 +5968,7 @@
           <a:p>
             <a:fld id="{33E8DCB2-3C86-4671-9450-C782F1601F56}" type="datetime1">
               <a:rPr lang="en-US" smtClean="0"/>
-              <a:t>27/04/2018</a:t>
+              <a:t>14/05/2018</a:t>
             </a:fld>
             <a:endParaRPr lang="en-US"/>
           </a:p>
@@ -7499,7 +7500,7 @@
         <p:spPr>
           <a:xfrm>
             <a:off x="4598505" y="2138287"/>
-            <a:ext cx="6705400" cy="2784475"/>
+            <a:ext cx="6705400" cy="2785378"/>
           </a:xfrm>
           <a:prstGeom prst="rect">
             <a:avLst/>
@@ -8277,7 +8278,7 @@
                 <a:ea typeface="Tahoma" panose="020B0604030504040204" pitchFamily="34" charset="0"/>
                 <a:cs typeface="Tahoma" panose="020B0604030504040204" pitchFamily="34" charset="0"/>
               </a:rPr>
-              <a:t> </a:t>
+              <a:t> hay </a:t>
             </a:r>
             <a:r>
               <a:rPr lang="en-GB" sz="2500" dirty="0" err="1">
@@ -8285,7 +8286,7 @@
                 <a:ea typeface="Tahoma" panose="020B0604030504040204" pitchFamily="34" charset="0"/>
                 <a:cs typeface="Tahoma" panose="020B0604030504040204" pitchFamily="34" charset="0"/>
               </a:rPr>
-              <a:t>phức</a:t>
+              <a:t>thay</a:t>
             </a:r>
             <a:r>
               <a:rPr lang="en-GB" sz="2500" dirty="0">
@@ -8301,7 +8302,7 @@
                 <a:ea typeface="Tahoma" panose="020B0604030504040204" pitchFamily="34" charset="0"/>
                 <a:cs typeface="Tahoma" panose="020B0604030504040204" pitchFamily="34" charset="0"/>
               </a:rPr>
-              <a:t>tạp</a:t>
+              <a:t>đổi</a:t>
             </a:r>
             <a:r>
               <a:rPr lang="en-GB" sz="2500" dirty="0">
@@ -8309,7 +8310,7 @@
                 <a:ea typeface="Tahoma" panose="020B0604030504040204" pitchFamily="34" charset="0"/>
                 <a:cs typeface="Tahoma" panose="020B0604030504040204" pitchFamily="34" charset="0"/>
               </a:rPr>
-              <a:t>, </a:t>
+              <a:t> </a:t>
             </a:r>
             <a:r>
               <a:rPr lang="en-GB" sz="2500" dirty="0" err="1">
@@ -8317,7 +8318,7 @@
                 <a:ea typeface="Tahoma" panose="020B0604030504040204" pitchFamily="34" charset="0"/>
                 <a:cs typeface="Tahoma" panose="020B0604030504040204" pitchFamily="34" charset="0"/>
               </a:rPr>
-              <a:t>hướng</a:t>
+              <a:t>yêu</a:t>
             </a:r>
             <a:r>
               <a:rPr lang="en-GB" sz="2500" dirty="0">
@@ -8333,103 +8334,7 @@
                 <a:ea typeface="Tahoma" panose="020B0604030504040204" pitchFamily="34" charset="0"/>
                 <a:cs typeface="Tahoma" panose="020B0604030504040204" pitchFamily="34" charset="0"/>
               </a:rPr>
-              <a:t>đối</a:t>
-            </a:r>
-            <a:r>
-              <a:rPr lang="en-GB" sz="2500" dirty="0">
-                <a:latin typeface="Times New Roman" panose="02020603050405020304" pitchFamily="18" charset="0"/>
-                <a:ea typeface="Tahoma" panose="020B0604030504040204" pitchFamily="34" charset="0"/>
-                <a:cs typeface="Tahoma" panose="020B0604030504040204" pitchFamily="34" charset="0"/>
-              </a:rPr>
-              <a:t> </a:t>
-            </a:r>
-            <a:r>
-              <a:rPr lang="en-GB" sz="2500" dirty="0" err="1">
-                <a:latin typeface="Times New Roman" panose="02020603050405020304" pitchFamily="18" charset="0"/>
-                <a:ea typeface="Tahoma" panose="020B0604030504040204" pitchFamily="34" charset="0"/>
-                <a:cs typeface="Tahoma" panose="020B0604030504040204" pitchFamily="34" charset="0"/>
-              </a:rPr>
-              <a:t>tượng</a:t>
-            </a:r>
-            <a:r>
-              <a:rPr lang="en-GB" sz="2500" dirty="0">
-                <a:latin typeface="Times New Roman" panose="02020603050405020304" pitchFamily="18" charset="0"/>
-                <a:ea typeface="Tahoma" panose="020B0604030504040204" pitchFamily="34" charset="0"/>
-                <a:cs typeface="Tahoma" panose="020B0604030504040204" pitchFamily="34" charset="0"/>
-              </a:rPr>
-              <a:t> </a:t>
-            </a:r>
-            <a:r>
-              <a:rPr lang="en-GB" sz="2500" dirty="0" err="1">
-                <a:latin typeface="Times New Roman" panose="02020603050405020304" pitchFamily="18" charset="0"/>
-                <a:ea typeface="Tahoma" panose="020B0604030504040204" pitchFamily="34" charset="0"/>
-                <a:cs typeface="Tahoma" panose="020B0604030504040204" pitchFamily="34" charset="0"/>
-              </a:rPr>
-              <a:t>và</a:t>
-            </a:r>
-            <a:r>
-              <a:rPr lang="en-GB" sz="2500" dirty="0">
-                <a:latin typeface="Times New Roman" panose="02020603050405020304" pitchFamily="18" charset="0"/>
-                <a:ea typeface="Tahoma" panose="020B0604030504040204" pitchFamily="34" charset="0"/>
-                <a:cs typeface="Tahoma" panose="020B0604030504040204" pitchFamily="34" charset="0"/>
-              </a:rPr>
-              <a:t> </a:t>
-            </a:r>
-            <a:r>
-              <a:rPr lang="en-GB" sz="2500" dirty="0" err="1">
-                <a:latin typeface="Times New Roman" panose="02020603050405020304" pitchFamily="18" charset="0"/>
-                <a:ea typeface="Tahoma" panose="020B0604030504040204" pitchFamily="34" charset="0"/>
-                <a:cs typeface="Tahoma" panose="020B0604030504040204" pitchFamily="34" charset="0"/>
-              </a:rPr>
-              <a:t>dự</a:t>
-            </a:r>
-            <a:r>
-              <a:rPr lang="en-GB" sz="2500" dirty="0">
-                <a:latin typeface="Times New Roman" panose="02020603050405020304" pitchFamily="18" charset="0"/>
-                <a:ea typeface="Tahoma" panose="020B0604030504040204" pitchFamily="34" charset="0"/>
-                <a:cs typeface="Tahoma" panose="020B0604030504040204" pitchFamily="34" charset="0"/>
-              </a:rPr>
-              <a:t> </a:t>
-            </a:r>
-            <a:r>
-              <a:rPr lang="en-GB" sz="2500" dirty="0" err="1">
-                <a:latin typeface="Times New Roman" panose="02020603050405020304" pitchFamily="18" charset="0"/>
-                <a:ea typeface="Tahoma" panose="020B0604030504040204" pitchFamily="34" charset="0"/>
-                <a:cs typeface="Tahoma" panose="020B0604030504040204" pitchFamily="34" charset="0"/>
-              </a:rPr>
-              <a:t>án</a:t>
-            </a:r>
-            <a:r>
-              <a:rPr lang="en-GB" sz="2500" dirty="0">
-                <a:latin typeface="Times New Roman" panose="02020603050405020304" pitchFamily="18" charset="0"/>
-                <a:ea typeface="Tahoma" panose="020B0604030504040204" pitchFamily="34" charset="0"/>
-                <a:cs typeface="Tahoma" panose="020B0604030504040204" pitchFamily="34" charset="0"/>
-              </a:rPr>
-              <a:t> </a:t>
-            </a:r>
-            <a:r>
-              <a:rPr lang="en-GB" sz="2500" dirty="0" err="1">
-                <a:latin typeface="Times New Roman" panose="02020603050405020304" pitchFamily="18" charset="0"/>
-                <a:ea typeface="Tahoma" panose="020B0604030504040204" pitchFamily="34" charset="0"/>
-                <a:cs typeface="Tahoma" panose="020B0604030504040204" pitchFamily="34" charset="0"/>
-              </a:rPr>
-              <a:t>dài</a:t>
-            </a:r>
-            <a:r>
-              <a:rPr lang="en-GB" sz="2500" dirty="0">
-                <a:latin typeface="Times New Roman" panose="02020603050405020304" pitchFamily="18" charset="0"/>
-                <a:ea typeface="Tahoma" panose="020B0604030504040204" pitchFamily="34" charset="0"/>
-                <a:cs typeface="Tahoma" panose="020B0604030504040204" pitchFamily="34" charset="0"/>
-              </a:rPr>
-              <a:t> </a:t>
-            </a:r>
-            <a:r>
-              <a:rPr lang="en-GB" sz="2500" dirty="0" err="1">
-                <a:latin typeface="Times New Roman" panose="02020603050405020304" pitchFamily="18" charset="0"/>
-                <a:ea typeface="Tahoma" panose="020B0604030504040204" pitchFamily="34" charset="0"/>
-                <a:cs typeface="Tahoma" panose="020B0604030504040204" pitchFamily="34" charset="0"/>
-              </a:rPr>
-              <a:t>hạn</a:t>
+              <a:t>cầu</a:t>
             </a:r>
             <a:r>
               <a:rPr lang="en-GB" sz="2500" dirty="0">
@@ -12164,6 +12069,663 @@
           <p:cNvPr id="4" name="Slide Number Placeholder 3">
             <a:extLst>
               <a:ext uri="{FF2B5EF4-FFF2-40B4-BE49-F238E27FC236}">
+                <a16:creationId xmlns:a16="http://schemas.microsoft.com/office/drawing/2014/main" id="{CF1034B9-DE2B-4F0B-9C51-7A7F12AB0AAA}"/>
+              </a:ext>
+            </a:extLst>
+          </p:cNvPr>
+          <p:cNvSpPr>
+            <a:spLocks noGrp="1"/>
+          </p:cNvSpPr>
+          <p:nvPr>
+            <p:ph type="sldNum" sz="quarter" idx="12"/>
+          </p:nvPr>
+        </p:nvSpPr>
+        <p:spPr/>
+        <p:txBody>
+          <a:bodyPr/>
+          <a:lstStyle/>
+          <a:p>
+            <a:fld id="{6BB9AED3-D2BB-49A3-B8E7-A4A64ED2F011}" type="slidenum">
+              <a:rPr lang="en-US" smtClean="0"/>
+              <a:t>14</a:t>
+            </a:fld>
+            <a:endParaRPr lang="en-US"/>
+          </a:p>
+        </p:txBody>
+      </p:sp>
+      <p:sp>
+        <p:nvSpPr>
+          <p:cNvPr id="5" name="TextBox 4">
+            <a:extLst>
+              <a:ext uri="{FF2B5EF4-FFF2-40B4-BE49-F238E27FC236}">
+                <a16:creationId xmlns:a16="http://schemas.microsoft.com/office/drawing/2014/main" id="{472269C0-DEC8-4F1F-8FA0-6D6BE8264296}"/>
+              </a:ext>
+            </a:extLst>
+          </p:cNvPr>
+          <p:cNvSpPr txBox="1"/>
+          <p:nvPr/>
+        </p:nvSpPr>
+        <p:spPr>
+          <a:xfrm>
+            <a:off x="1272209" y="1033670"/>
+            <a:ext cx="10177669" cy="5386090"/>
+          </a:xfrm>
+          <a:prstGeom prst="rect">
+            <a:avLst/>
+          </a:prstGeom>
+          <a:noFill/>
+        </p:spPr>
+        <p:txBody>
+          <a:bodyPr wrap="square" rtlCol="0">
+            <a:spAutoFit/>
+          </a:bodyPr>
+          <a:lstStyle/>
+          <a:p>
+            <a:r>
+              <a:rPr lang="en-US" sz="2500" dirty="0" err="1">
+                <a:latin typeface="Times New Roman" panose="02020603050405020304" pitchFamily="18" charset="0"/>
+                <a:cs typeface="Times New Roman" panose="02020603050405020304" pitchFamily="18" charset="0"/>
+              </a:rPr>
+              <a:t>Hình</a:t>
+            </a:r>
+            <a:r>
+              <a:rPr lang="en-US" sz="2500" dirty="0">
+                <a:latin typeface="Times New Roman" panose="02020603050405020304" pitchFamily="18" charset="0"/>
+                <a:cs typeface="Times New Roman" panose="02020603050405020304" pitchFamily="18" charset="0"/>
+              </a:rPr>
+              <a:t> </a:t>
+            </a:r>
+            <a:r>
+              <a:rPr lang="en-US" sz="2500" dirty="0" err="1">
+                <a:latin typeface="Times New Roman" panose="02020603050405020304" pitchFamily="18" charset="0"/>
+                <a:cs typeface="Times New Roman" panose="02020603050405020304" pitchFamily="18" charset="0"/>
+              </a:rPr>
+              <a:t>ảnh</a:t>
+            </a:r>
+            <a:r>
+              <a:rPr lang="en-US" sz="2500" dirty="0">
+                <a:latin typeface="Times New Roman" panose="02020603050405020304" pitchFamily="18" charset="0"/>
+                <a:cs typeface="Times New Roman" panose="02020603050405020304" pitchFamily="18" charset="0"/>
+              </a:rPr>
+              <a:t> </a:t>
+            </a:r>
+            <a:r>
+              <a:rPr lang="en-US" sz="2500" dirty="0" err="1">
+                <a:latin typeface="Times New Roman" panose="02020603050405020304" pitchFamily="18" charset="0"/>
+                <a:cs typeface="Times New Roman" panose="02020603050405020304" pitchFamily="18" charset="0"/>
+              </a:rPr>
+              <a:t>tham</a:t>
+            </a:r>
+            <a:r>
+              <a:rPr lang="en-US" sz="2500" dirty="0">
+                <a:latin typeface="Times New Roman" panose="02020603050405020304" pitchFamily="18" charset="0"/>
+                <a:cs typeface="Times New Roman" panose="02020603050405020304" pitchFamily="18" charset="0"/>
+              </a:rPr>
+              <a:t> </a:t>
+            </a:r>
+            <a:r>
+              <a:rPr lang="en-US" sz="2500" dirty="0" err="1">
+                <a:latin typeface="Times New Roman" panose="02020603050405020304" pitchFamily="18" charset="0"/>
+                <a:cs typeface="Times New Roman" panose="02020603050405020304" pitchFamily="18" charset="0"/>
+              </a:rPr>
+              <a:t>khảo</a:t>
+            </a:r>
+            <a:r>
+              <a:rPr lang="en-US" sz="2500" dirty="0">
+                <a:latin typeface="Times New Roman" panose="02020603050405020304" pitchFamily="18" charset="0"/>
+                <a:cs typeface="Times New Roman" panose="02020603050405020304" pitchFamily="18" charset="0"/>
+              </a:rPr>
+              <a:t>:</a:t>
+            </a:r>
+          </a:p>
+          <a:p>
+            <a:pPr marL="285750" indent="-285750">
+              <a:buFontTx/>
+              <a:buChar char="-"/>
+            </a:pPr>
+            <a:r>
+              <a:rPr lang="en-US" sz="2000" dirty="0">
+                <a:latin typeface="Times New Roman" panose="02020603050405020304" pitchFamily="18" charset="0"/>
+                <a:cs typeface="Times New Roman" panose="02020603050405020304" pitchFamily="18" charset="0"/>
+                <a:hlinkClick r:id="rId2"/>
+              </a:rPr>
+              <a:t>https://goo.gl/e1oGxC</a:t>
+            </a:r>
+            <a:endParaRPr lang="en-US" sz="2000" dirty="0">
+              <a:latin typeface="Times New Roman" panose="02020603050405020304" pitchFamily="18" charset="0"/>
+              <a:cs typeface="Times New Roman" panose="02020603050405020304" pitchFamily="18" charset="0"/>
+            </a:endParaRPr>
+          </a:p>
+          <a:p>
+            <a:pPr marL="285750" indent="-285750">
+              <a:buFontTx/>
+              <a:buChar char="-"/>
+            </a:pPr>
+            <a:r>
+              <a:rPr lang="en-US" sz="2000" dirty="0">
+                <a:latin typeface="Times New Roman" panose="02020603050405020304" pitchFamily="18" charset="0"/>
+                <a:cs typeface="Times New Roman" panose="02020603050405020304" pitchFamily="18" charset="0"/>
+                <a:hlinkClick r:id="rId3"/>
+              </a:rPr>
+              <a:t>https://goo.gl/hWt6AS</a:t>
+            </a:r>
+            <a:endParaRPr lang="en-US" sz="2000" dirty="0">
+              <a:latin typeface="Times New Roman" panose="02020603050405020304" pitchFamily="18" charset="0"/>
+              <a:cs typeface="Times New Roman" panose="02020603050405020304" pitchFamily="18" charset="0"/>
+            </a:endParaRPr>
+          </a:p>
+          <a:p>
+            <a:pPr marL="285750" indent="-285750">
+              <a:buFontTx/>
+              <a:buChar char="-"/>
+            </a:pPr>
+            <a:r>
+              <a:rPr lang="en-US" sz="2000" dirty="0">
+                <a:latin typeface="Times New Roman" panose="02020603050405020304" pitchFamily="18" charset="0"/>
+                <a:cs typeface="Times New Roman" panose="02020603050405020304" pitchFamily="18" charset="0"/>
+                <a:hlinkClick r:id="rId4"/>
+              </a:rPr>
+              <a:t>https://goo.gl/5ZGVu3</a:t>
+            </a:r>
+            <a:endParaRPr lang="en-US" sz="2000" dirty="0">
+              <a:latin typeface="Times New Roman" panose="02020603050405020304" pitchFamily="18" charset="0"/>
+              <a:cs typeface="Times New Roman" panose="02020603050405020304" pitchFamily="18" charset="0"/>
+            </a:endParaRPr>
+          </a:p>
+          <a:p>
+            <a:pPr marL="285750" indent="-285750">
+              <a:buFontTx/>
+              <a:buChar char="-"/>
+            </a:pPr>
+            <a:r>
+              <a:rPr lang="en-US" sz="2000" dirty="0">
+                <a:latin typeface="Times New Roman" panose="02020603050405020304" pitchFamily="18" charset="0"/>
+                <a:cs typeface="Times New Roman" panose="02020603050405020304" pitchFamily="18" charset="0"/>
+                <a:hlinkClick r:id="rId5"/>
+              </a:rPr>
+              <a:t>https://goo.gl/HPHKPt</a:t>
+            </a:r>
+            <a:endParaRPr lang="en-US" sz="2000" dirty="0">
+              <a:latin typeface="Times New Roman" panose="02020603050405020304" pitchFamily="18" charset="0"/>
+              <a:cs typeface="Times New Roman" panose="02020603050405020304" pitchFamily="18" charset="0"/>
+            </a:endParaRPr>
+          </a:p>
+          <a:p>
+            <a:pPr marL="285750" indent="-285750">
+              <a:buFontTx/>
+              <a:buChar char="-"/>
+            </a:pPr>
+            <a:r>
+              <a:rPr lang="en-US" sz="2000" dirty="0">
+                <a:latin typeface="Times New Roman" panose="02020603050405020304" pitchFamily="18" charset="0"/>
+                <a:cs typeface="Times New Roman" panose="02020603050405020304" pitchFamily="18" charset="0"/>
+                <a:hlinkClick r:id="rId6"/>
+              </a:rPr>
+              <a:t>https://goo.gl/KbsKB7</a:t>
+            </a:r>
+            <a:endParaRPr lang="en-US" sz="2000" dirty="0">
+              <a:latin typeface="Times New Roman" panose="02020603050405020304" pitchFamily="18" charset="0"/>
+              <a:cs typeface="Times New Roman" panose="02020603050405020304" pitchFamily="18" charset="0"/>
+            </a:endParaRPr>
+          </a:p>
+          <a:p>
+            <a:pPr marL="285750" indent="-285750">
+              <a:buFontTx/>
+              <a:buChar char="-"/>
+            </a:pPr>
+            <a:r>
+              <a:rPr lang="en-US" sz="2000" dirty="0">
+                <a:latin typeface="Times New Roman" panose="02020603050405020304" pitchFamily="18" charset="0"/>
+                <a:cs typeface="Times New Roman" panose="02020603050405020304" pitchFamily="18" charset="0"/>
+                <a:hlinkClick r:id="rId7"/>
+              </a:rPr>
+              <a:t>https://goo.gl/ZAsB75</a:t>
+            </a:r>
+            <a:endParaRPr lang="en-US" sz="2000" dirty="0">
+              <a:latin typeface="Times New Roman" panose="02020603050405020304" pitchFamily="18" charset="0"/>
+              <a:cs typeface="Times New Roman" panose="02020603050405020304" pitchFamily="18" charset="0"/>
+            </a:endParaRPr>
+          </a:p>
+          <a:p>
+            <a:pPr marL="285750" indent="-285750">
+              <a:buFontTx/>
+              <a:buChar char="-"/>
+            </a:pPr>
+            <a:r>
+              <a:rPr lang="en-US" sz="2000" dirty="0">
+                <a:latin typeface="Times New Roman" panose="02020603050405020304" pitchFamily="18" charset="0"/>
+                <a:cs typeface="Times New Roman" panose="02020603050405020304" pitchFamily="18" charset="0"/>
+                <a:hlinkClick r:id="rId8"/>
+              </a:rPr>
+              <a:t>https://goo.gl/ojSemP</a:t>
+            </a:r>
+            <a:endParaRPr lang="en-US" sz="2000" dirty="0">
+              <a:latin typeface="Times New Roman" panose="02020603050405020304" pitchFamily="18" charset="0"/>
+              <a:cs typeface="Times New Roman" panose="02020603050405020304" pitchFamily="18" charset="0"/>
+            </a:endParaRPr>
+          </a:p>
+          <a:p>
+            <a:pPr marL="285750" indent="-285750">
+              <a:buFontTx/>
+              <a:buChar char="-"/>
+            </a:pPr>
+            <a:r>
+              <a:rPr lang="en-US" sz="2000" dirty="0">
+                <a:latin typeface="Times New Roman" panose="02020603050405020304" pitchFamily="18" charset="0"/>
+                <a:cs typeface="Times New Roman" panose="02020603050405020304" pitchFamily="18" charset="0"/>
+                <a:hlinkClick r:id="rId9"/>
+              </a:rPr>
+              <a:t>https://goo.gl/BV7uHd</a:t>
+            </a:r>
+            <a:endParaRPr lang="en-US" sz="2000" dirty="0">
+              <a:latin typeface="Times New Roman" panose="02020603050405020304" pitchFamily="18" charset="0"/>
+              <a:cs typeface="Times New Roman" panose="02020603050405020304" pitchFamily="18" charset="0"/>
+            </a:endParaRPr>
+          </a:p>
+          <a:p>
+            <a:pPr marL="285750" indent="-285750">
+              <a:buFontTx/>
+              <a:buChar char="-"/>
+            </a:pPr>
+            <a:r>
+              <a:rPr lang="en-US" sz="2000" dirty="0">
+                <a:latin typeface="Times New Roman" panose="02020603050405020304" pitchFamily="18" charset="0"/>
+                <a:cs typeface="Times New Roman" panose="02020603050405020304" pitchFamily="18" charset="0"/>
+                <a:hlinkClick r:id="rId10"/>
+              </a:rPr>
+              <a:t>https://goo.gl/moTyUR</a:t>
+            </a:r>
+            <a:endParaRPr lang="en-US" sz="2000" dirty="0">
+              <a:latin typeface="Times New Roman" panose="02020603050405020304" pitchFamily="18" charset="0"/>
+              <a:cs typeface="Times New Roman" panose="02020603050405020304" pitchFamily="18" charset="0"/>
+            </a:endParaRPr>
+          </a:p>
+          <a:p>
+            <a:endParaRPr lang="en-US" sz="2000" dirty="0">
+              <a:latin typeface="Times New Roman" panose="02020603050405020304" pitchFamily="18" charset="0"/>
+              <a:cs typeface="Times New Roman" panose="02020603050405020304" pitchFamily="18" charset="0"/>
+            </a:endParaRPr>
+          </a:p>
+          <a:p>
+            <a:r>
+              <a:rPr lang="en-US" sz="2500" dirty="0" err="1">
+                <a:latin typeface="Times New Roman" panose="02020603050405020304" pitchFamily="18" charset="0"/>
+                <a:cs typeface="Times New Roman" panose="02020603050405020304" pitchFamily="18" charset="0"/>
+              </a:rPr>
+              <a:t>Tài</a:t>
+            </a:r>
+            <a:r>
+              <a:rPr lang="en-US" sz="2500" dirty="0">
+                <a:latin typeface="Times New Roman" panose="02020603050405020304" pitchFamily="18" charset="0"/>
+                <a:cs typeface="Times New Roman" panose="02020603050405020304" pitchFamily="18" charset="0"/>
+              </a:rPr>
+              <a:t> </a:t>
+            </a:r>
+            <a:r>
+              <a:rPr lang="en-US" sz="2500" dirty="0" err="1">
+                <a:latin typeface="Times New Roman" panose="02020603050405020304" pitchFamily="18" charset="0"/>
+                <a:cs typeface="Times New Roman" panose="02020603050405020304" pitchFamily="18" charset="0"/>
+              </a:rPr>
+              <a:t>liệu</a:t>
+            </a:r>
+            <a:r>
+              <a:rPr lang="en-US" sz="2500" dirty="0">
+                <a:latin typeface="Times New Roman" panose="02020603050405020304" pitchFamily="18" charset="0"/>
+                <a:cs typeface="Times New Roman" panose="02020603050405020304" pitchFamily="18" charset="0"/>
+              </a:rPr>
+              <a:t> </a:t>
+            </a:r>
+            <a:r>
+              <a:rPr lang="en-US" sz="2500" dirty="0" err="1">
+                <a:latin typeface="Times New Roman" panose="02020603050405020304" pitchFamily="18" charset="0"/>
+                <a:cs typeface="Times New Roman" panose="02020603050405020304" pitchFamily="18" charset="0"/>
+              </a:rPr>
+              <a:t>tham</a:t>
+            </a:r>
+            <a:r>
+              <a:rPr lang="en-US" sz="2500" dirty="0">
+                <a:latin typeface="Times New Roman" panose="02020603050405020304" pitchFamily="18" charset="0"/>
+                <a:cs typeface="Times New Roman" panose="02020603050405020304" pitchFamily="18" charset="0"/>
+              </a:rPr>
+              <a:t> </a:t>
+            </a:r>
+            <a:r>
+              <a:rPr lang="en-US" sz="2500" dirty="0" err="1">
+                <a:latin typeface="Times New Roman" panose="02020603050405020304" pitchFamily="18" charset="0"/>
+                <a:cs typeface="Times New Roman" panose="02020603050405020304" pitchFamily="18" charset="0"/>
+              </a:rPr>
+              <a:t>khảo</a:t>
+            </a:r>
+            <a:r>
+              <a:rPr lang="en-US" sz="2500" dirty="0">
+                <a:latin typeface="Times New Roman" panose="02020603050405020304" pitchFamily="18" charset="0"/>
+                <a:cs typeface="Times New Roman" panose="02020603050405020304" pitchFamily="18" charset="0"/>
+              </a:rPr>
+              <a:t>: </a:t>
+            </a:r>
+          </a:p>
+          <a:p>
+            <a:pPr marL="285750" indent="-285750">
+              <a:buFontTx/>
+              <a:buChar char="-"/>
+            </a:pPr>
+            <a:r>
+              <a:rPr lang="en-US" sz="2000" dirty="0">
+                <a:latin typeface="Times New Roman" panose="02020603050405020304" pitchFamily="18" charset="0"/>
+                <a:cs typeface="Times New Roman" panose="02020603050405020304" pitchFamily="18" charset="0"/>
+                <a:hlinkClick r:id="rId11"/>
+              </a:rPr>
+              <a:t>https://goo.gl</a:t>
+            </a:r>
+            <a:r>
+              <a:rPr lang="en-US" sz="2000">
+                <a:latin typeface="Times New Roman" panose="02020603050405020304" pitchFamily="18" charset="0"/>
+                <a:cs typeface="Times New Roman" panose="02020603050405020304" pitchFamily="18" charset="0"/>
+                <a:hlinkClick r:id="rId11"/>
+              </a:rPr>
+              <a:t>/LFubSv</a:t>
+            </a:r>
+            <a:endParaRPr lang="en-US" sz="2000" dirty="0">
+              <a:latin typeface="Times New Roman" panose="02020603050405020304" pitchFamily="18" charset="0"/>
+              <a:cs typeface="Times New Roman" panose="02020603050405020304" pitchFamily="18" charset="0"/>
+            </a:endParaRPr>
+          </a:p>
+          <a:p>
+            <a:pPr marL="285750" indent="-285750">
+              <a:buFontTx/>
+              <a:buChar char="-"/>
+            </a:pPr>
+            <a:r>
+              <a:rPr lang="en-US" sz="2000">
+                <a:latin typeface="Times New Roman" panose="02020603050405020304" pitchFamily="18" charset="0"/>
+                <a:cs typeface="Times New Roman" panose="02020603050405020304" pitchFamily="18" charset="0"/>
+              </a:rPr>
+              <a:t>Slide </a:t>
+            </a:r>
+            <a:r>
+              <a:rPr lang="en-US" sz="2000" dirty="0">
+                <a:latin typeface="Times New Roman" panose="02020603050405020304" pitchFamily="18" charset="0"/>
+                <a:cs typeface="Times New Roman" panose="02020603050405020304" pitchFamily="18" charset="0"/>
+              </a:rPr>
+              <a:t>ChSE2-Quytrinh, </a:t>
+            </a:r>
+            <a:r>
+              <a:rPr lang="en-US" sz="2000" dirty="0" err="1">
+                <a:latin typeface="Times New Roman" panose="02020603050405020304" pitchFamily="18" charset="0"/>
+                <a:cs typeface="Times New Roman" panose="02020603050405020304" pitchFamily="18" charset="0"/>
+              </a:rPr>
+              <a:t>tác</a:t>
+            </a:r>
+            <a:r>
+              <a:rPr lang="en-US" sz="2000" dirty="0">
+                <a:latin typeface="Times New Roman" panose="02020603050405020304" pitchFamily="18" charset="0"/>
+                <a:cs typeface="Times New Roman" panose="02020603050405020304" pitchFamily="18" charset="0"/>
+              </a:rPr>
+              <a:t> </a:t>
+            </a:r>
+            <a:r>
+              <a:rPr lang="en-US" sz="2000" dirty="0" err="1">
+                <a:latin typeface="Times New Roman" panose="02020603050405020304" pitchFamily="18" charset="0"/>
+                <a:cs typeface="Times New Roman" panose="02020603050405020304" pitchFamily="18" charset="0"/>
+              </a:rPr>
+              <a:t>giả</a:t>
+            </a:r>
+            <a:r>
+              <a:rPr lang="en-US" sz="2000" dirty="0">
+                <a:latin typeface="Times New Roman" panose="02020603050405020304" pitchFamily="18" charset="0"/>
+                <a:cs typeface="Times New Roman" panose="02020603050405020304" pitchFamily="18" charset="0"/>
+              </a:rPr>
+              <a:t>: </a:t>
+            </a:r>
+            <a:r>
+              <a:rPr lang="en-US" sz="2000" dirty="0" err="1">
+                <a:latin typeface="Times New Roman" panose="02020603050405020304" pitchFamily="18" charset="0"/>
+                <a:cs typeface="Times New Roman" panose="02020603050405020304" pitchFamily="18" charset="0"/>
+              </a:rPr>
+              <a:t>Th.S</a:t>
+            </a:r>
+            <a:r>
+              <a:rPr lang="en-US" sz="2000" dirty="0">
+                <a:latin typeface="Times New Roman" panose="02020603050405020304" pitchFamily="18" charset="0"/>
+                <a:cs typeface="Times New Roman" panose="02020603050405020304" pitchFamily="18" charset="0"/>
+              </a:rPr>
+              <a:t> </a:t>
+            </a:r>
+            <a:r>
+              <a:rPr lang="en-US" sz="2000" dirty="0" err="1">
+                <a:latin typeface="Times New Roman" panose="02020603050405020304" pitchFamily="18" charset="0"/>
+                <a:cs typeface="Times New Roman" panose="02020603050405020304" pitchFamily="18" charset="0"/>
+              </a:rPr>
+              <a:t>Nguyễn</a:t>
+            </a:r>
+            <a:r>
+              <a:rPr lang="en-US" sz="2000" dirty="0">
+                <a:latin typeface="Times New Roman" panose="02020603050405020304" pitchFamily="18" charset="0"/>
+                <a:cs typeface="Times New Roman" panose="02020603050405020304" pitchFamily="18" charset="0"/>
+              </a:rPr>
+              <a:t> </a:t>
+            </a:r>
+            <a:r>
+              <a:rPr lang="en-US" sz="2000" dirty="0" err="1">
+                <a:latin typeface="Times New Roman" panose="02020603050405020304" pitchFamily="18" charset="0"/>
+                <a:cs typeface="Times New Roman" panose="02020603050405020304" pitchFamily="18" charset="0"/>
+              </a:rPr>
+              <a:t>Thị</a:t>
+            </a:r>
+            <a:r>
+              <a:rPr lang="en-US" sz="2000" dirty="0">
+                <a:latin typeface="Times New Roman" panose="02020603050405020304" pitchFamily="18" charset="0"/>
+                <a:cs typeface="Times New Roman" panose="02020603050405020304" pitchFamily="18" charset="0"/>
+              </a:rPr>
+              <a:t> Thanh </a:t>
+            </a:r>
+            <a:r>
+              <a:rPr lang="en-US" sz="2000" dirty="0" err="1">
+                <a:latin typeface="Times New Roman" panose="02020603050405020304" pitchFamily="18" charset="0"/>
+                <a:cs typeface="Times New Roman" panose="02020603050405020304" pitchFamily="18" charset="0"/>
+              </a:rPr>
+              <a:t>Trúc</a:t>
+            </a:r>
+            <a:r>
+              <a:rPr lang="en-US" sz="2000" dirty="0">
+                <a:latin typeface="Times New Roman" panose="02020603050405020304" pitchFamily="18" charset="0"/>
+                <a:cs typeface="Times New Roman" panose="02020603050405020304" pitchFamily="18" charset="0"/>
+              </a:rPr>
+              <a:t>, </a:t>
+            </a:r>
+            <a:r>
+              <a:rPr lang="en-US" sz="2000" dirty="0" err="1">
+                <a:latin typeface="Times New Roman" panose="02020603050405020304" pitchFamily="18" charset="0"/>
+                <a:cs typeface="Times New Roman" panose="02020603050405020304" pitchFamily="18" charset="0"/>
+              </a:rPr>
+              <a:t>Ths</a:t>
+            </a:r>
+            <a:r>
+              <a:rPr lang="en-US" sz="2000" dirty="0">
+                <a:latin typeface="Times New Roman" panose="02020603050405020304" pitchFamily="18" charset="0"/>
+                <a:cs typeface="Times New Roman" panose="02020603050405020304" pitchFamily="18" charset="0"/>
+              </a:rPr>
+              <a:t>. </a:t>
+            </a:r>
+            <a:r>
+              <a:rPr lang="en-US" sz="2000" dirty="0" err="1">
+                <a:latin typeface="Times New Roman" panose="02020603050405020304" pitchFamily="18" charset="0"/>
+                <a:cs typeface="Times New Roman" panose="02020603050405020304" pitchFamily="18" charset="0"/>
+              </a:rPr>
+              <a:t>Nguyễn</a:t>
+            </a:r>
+            <a:r>
+              <a:rPr lang="en-US" sz="2000" dirty="0">
+                <a:latin typeface="Times New Roman" panose="02020603050405020304" pitchFamily="18" charset="0"/>
+                <a:cs typeface="Times New Roman" panose="02020603050405020304" pitchFamily="18" charset="0"/>
+              </a:rPr>
+              <a:t> </a:t>
+            </a:r>
+            <a:r>
+              <a:rPr lang="en-US" sz="2000" dirty="0" err="1">
+                <a:latin typeface="Times New Roman" panose="02020603050405020304" pitchFamily="18" charset="0"/>
+                <a:cs typeface="Times New Roman" panose="02020603050405020304" pitchFamily="18" charset="0"/>
+              </a:rPr>
+              <a:t>Công</a:t>
+            </a:r>
+            <a:r>
+              <a:rPr lang="en-US" sz="2000" dirty="0">
+                <a:latin typeface="Times New Roman" panose="02020603050405020304" pitchFamily="18" charset="0"/>
+                <a:cs typeface="Times New Roman" panose="02020603050405020304" pitchFamily="18" charset="0"/>
+              </a:rPr>
+              <a:t> </a:t>
+            </a:r>
+            <a:r>
+              <a:rPr lang="en-US" sz="2000" dirty="0" err="1">
+                <a:latin typeface="Times New Roman" panose="02020603050405020304" pitchFamily="18" charset="0"/>
+                <a:cs typeface="Times New Roman" panose="02020603050405020304" pitchFamily="18" charset="0"/>
+              </a:rPr>
+              <a:t>Hoan</a:t>
+            </a:r>
+            <a:endParaRPr lang="en-US" sz="2000" dirty="0">
+              <a:latin typeface="Times New Roman" panose="02020603050405020304" pitchFamily="18" charset="0"/>
+              <a:cs typeface="Times New Roman" panose="02020603050405020304" pitchFamily="18" charset="0"/>
+            </a:endParaRPr>
+          </a:p>
+          <a:p>
+            <a:pPr marL="285750" indent="-285750">
+              <a:buFontTx/>
+              <a:buChar char="-"/>
+            </a:pPr>
+            <a:endParaRPr lang="en-US" dirty="0">
+              <a:latin typeface="Times New Roman" panose="02020603050405020304" pitchFamily="18" charset="0"/>
+              <a:cs typeface="Times New Roman" panose="02020603050405020304" pitchFamily="18" charset="0"/>
+            </a:endParaRPr>
+          </a:p>
+          <a:p>
+            <a:endParaRPr lang="en-US" dirty="0"/>
+          </a:p>
+          <a:p>
+            <a:endParaRPr lang="en-US" dirty="0"/>
+          </a:p>
+        </p:txBody>
+      </p:sp>
+    </p:spTree>
+    <p:extLst>
+      <p:ext uri="{BB962C8B-B14F-4D97-AF65-F5344CB8AC3E}">
+        <p14:creationId xmlns:p14="http://schemas.microsoft.com/office/powerpoint/2010/main" val="4156840940"/>
+      </p:ext>
+    </p:extLst>
+  </p:cSld>
+  <p:clrMapOvr>
+    <a:masterClrMapping/>
+  </p:clrMapOvr>
+  <p:timing>
+    <p:tnLst>
+      <p:par>
+        <p:cTn id="1" dur="indefinite" restart="never" nodeType="tmRoot">
+          <p:childTnLst>
+            <p:seq concurrent="1" nextAc="seek">
+              <p:cTn id="2" dur="indefinite" nodeType="mainSeq">
+                <p:childTnLst>
+                  <p:par>
+                    <p:cTn id="3" fill="hold">
+                      <p:stCondLst>
+                        <p:cond delay="indefinite"/>
+                      </p:stCondLst>
+                      <p:childTnLst>
+                        <p:par>
+                          <p:cTn id="4" fill="hold">
+                            <p:stCondLst>
+                              <p:cond delay="0"/>
+                            </p:stCondLst>
+                            <p:childTnLst>
+                              <p:par>
+                                <p:cTn id="5" presetID="18" presetClass="entr" presetSubtype="12" fill="hold" grpId="0" nodeType="clickEffect">
+                                  <p:stCondLst>
+                                    <p:cond delay="0"/>
+                                  </p:stCondLst>
+                                  <p:childTnLst>
+                                    <p:set>
+                                      <p:cBhvr>
+                                        <p:cTn id="6" dur="1" fill="hold">
+                                          <p:stCondLst>
+                                            <p:cond delay="0"/>
+                                          </p:stCondLst>
+                                        </p:cTn>
+                                        <p:tgtEl>
+                                          <p:spTgt spid="5"/>
+                                        </p:tgtEl>
+                                        <p:attrNameLst>
+                                          <p:attrName>style.visibility</p:attrName>
+                                        </p:attrNameLst>
+                                      </p:cBhvr>
+                                      <p:to>
+                                        <p:strVal val="visible"/>
+                                      </p:to>
+                                    </p:set>
+                                    <p:animEffect transition="in" filter="strips(downLeft)">
+                                      <p:cBhvr>
+                                        <p:cTn id="7" dur="500"/>
+                                        <p:tgtEl>
+                                          <p:spTgt spid="5"/>
+                                        </p:tgtEl>
+                                      </p:cBhvr>
+                                    </p:animEffect>
+                                  </p:childTnLst>
+                                </p:cTn>
+                              </p:par>
+                            </p:childTnLst>
+                          </p:cTn>
+                        </p:par>
+                      </p:childTnLst>
+                    </p:cTn>
+                  </p:par>
+                </p:childTnLst>
+              </p:cTn>
+              <p:prevCondLst>
+                <p:cond evt="onPrev" delay="0">
+                  <p:tgtEl>
+                    <p:sldTgt/>
+                  </p:tgtEl>
+                </p:cond>
+              </p:prevCondLst>
+              <p:nextCondLst>
+                <p:cond evt="onNext" delay="0">
+                  <p:tgtEl>
+                    <p:sldTgt/>
+                  </p:tgtEl>
+                </p:cond>
+              </p:nextCondLst>
+            </p:seq>
+          </p:childTnLst>
+        </p:cTn>
+      </p:par>
+    </p:tnLst>
+    <p:bldLst>
+      <p:bldP spid="5" grpId="0"/>
+    </p:bldLst>
+  </p:timing>
+</p:sld>
+</file>
+
+<file path=ppt/slides/slide15.xml><?xml version="1.0" encoding="utf-8"?>
+<p:sld xmlns:a="http://schemas.openxmlformats.org/drawingml/2006/main" xmlns:r="http://schemas.openxmlformats.org/officeDocument/2006/relationships" xmlns:p="http://schemas.openxmlformats.org/presentationml/2006/main">
+  <p:cSld>
+    <p:spTree>
+      <p:nvGrpSpPr>
+        <p:cNvPr id="1" name=""/>
+        <p:cNvGrpSpPr/>
+        <p:nvPr/>
+      </p:nvGrpSpPr>
+      <p:grpSpPr>
+        <a:xfrm>
+          <a:off x="0" y="0"/>
+          <a:ext cx="0" cy="0"/>
+          <a:chOff x="0" y="0"/>
+          <a:chExt cx="0" cy="0"/>
+        </a:xfrm>
+      </p:grpSpPr>
+      <p:sp>
+        <p:nvSpPr>
+          <p:cNvPr id="4" name="Slide Number Placeholder 3">
+            <a:extLst>
+              <a:ext uri="{FF2B5EF4-FFF2-40B4-BE49-F238E27FC236}">
                 <a16:creationId xmlns:a16="http://schemas.microsoft.com/office/drawing/2014/main" id="{8EBC6D6B-A638-4445-973E-C57DA4B2537A}"/>
               </a:ext>
             </a:extLst>
@@ -12182,7 +12744,7 @@
           <a:p>
             <a:fld id="{6BB9AED3-D2BB-49A3-B8E7-A4A64ED2F011}" type="slidenum">
               <a:rPr lang="en-US" smtClean="0"/>
-              <a:t>14</a:t>
+              <a:t>15</a:t>
             </a:fld>
             <a:endParaRPr lang="en-US"/>
           </a:p>
@@ -12437,6 +12999,9 @@
               </a:rPr>
               <a:t> </a:t>
             </a:r>
+          </a:p>
+          <a:p>
+            <a:pPr algn="ctr"/>
             <a:r>
               <a:rPr lang="en-US" sz="3500" b="1" dirty="0" err="1">
                 <a:solidFill>
@@ -12898,8 +13463,8 @@
         </p:blipFill>
         <p:spPr>
           <a:xfrm>
-            <a:off x="3763618" y="3300101"/>
-            <a:ext cx="4664764" cy="3204014"/>
+            <a:off x="4297017" y="3298881"/>
+            <a:ext cx="3597965" cy="2624470"/>
           </a:xfrm>
           <a:prstGeom prst="rect">
             <a:avLst/>
@@ -14941,15 +15506,33 @@
                                   </p:childTnLst>
                                 </p:cTn>
                               </p:par>
+                            </p:childTnLst>
+                          </p:cTn>
+                        </p:par>
+                      </p:childTnLst>
+                    </p:cTn>
+                  </p:par>
+                  <p:par>
+                    <p:cTn id="16" fill="hold">
+                      <p:stCondLst>
+                        <p:cond delay="indefinite"/>
+                      </p:stCondLst>
+                      <p:childTnLst>
+                        <p:par>
+                          <p:cTn id="17" fill="hold">
+                            <p:stCondLst>
+                              <p:cond delay="0"/>
+                            </p:stCondLst>
+                            <p:childTnLst>
                               <p:par>
-                                <p:cTn id="16" presetID="12" presetClass="entr" presetSubtype="4" fill="hold" grpId="0" nodeType="withEffect">
+                                <p:cTn id="18" presetID="17" presetClass="entr" presetSubtype="10" fill="hold" grpId="0" nodeType="clickEffect">
                                   <p:stCondLst>
                                     <p:cond delay="0"/>
                                   </p:stCondLst>
                                   <p:childTnLst>
                                     <p:set>
                                       <p:cBhvr>
-                                        <p:cTn id="17" dur="1" fill="hold">
+                                        <p:cTn id="19" dur="1" fill="hold">
                                           <p:stCondLst>
                                             <p:cond delay="0"/>
                                           </p:stCondLst>
@@ -14966,36 +15549,51 @@
                                       </p:to>
                                     </p:set>
                                     <p:anim calcmode="lin" valueType="num">
-                                      <p:cBhvr additive="base">
-                                        <p:cTn id="18" dur="500"/>
+                                      <p:cBhvr>
+                                        <p:cTn id="20" dur="500" fill="hold"/>
                                         <p:tgtEl>
                                           <p:spTgt spid="6"/>
                                         </p:tgtEl>
                                         <p:attrNameLst>
-                                          <p:attrName>ppt_y</p:attrName>
+                                          <p:attrName>ppt_w</p:attrName>
                                         </p:attrNameLst>
                                       </p:cBhvr>
                                       <p:tavLst>
                                         <p:tav tm="0">
                                           <p:val>
-                                            <p:strVal val="#ppt_y+#ppt_h*1.125000"/>
+                                            <p:fltVal val="0"/>
                                           </p:val>
                                         </p:tav>
                                         <p:tav tm="100000">
                                           <p:val>
-                                            <p:strVal val="#ppt_y"/>
+                                            <p:strVal val="#ppt_w"/>
                                           </p:val>
                                         </p:tav>
                                       </p:tavLst>
                                     </p:anim>
-                                    <p:animEffect transition="in" filter="wipe(up)">
+                                    <p:anim calcmode="lin" valueType="num">
                                       <p:cBhvr>
-                                        <p:cTn id="19" dur="500"/>
+                                        <p:cTn id="21" dur="500" fill="hold"/>
                                         <p:tgtEl>
                                           <p:spTgt spid="6"/>
                                         </p:tgtEl>
+                                        <p:attrNameLst>
+                                          <p:attrName>ppt_h</p:attrName>
+                                        </p:attrNameLst>
                                       </p:cBhvr>
-                                    </p:animEffect>
+                                      <p:tavLst>
+                                        <p:tav tm="0">
+                                          <p:val>
+                                            <p:strVal val="#ppt_h"/>
+                                          </p:val>
+                                        </p:tav>
+                                        <p:tav tm="100000">
+                                          <p:val>
+                                            <p:strVal val="#ppt_h"/>
+                                          </p:val>
+                                        </p:tav>
+                                      </p:tavLst>
+                                    </p:anim>
                                   </p:childTnLst>
                                 </p:cTn>
                               </p:par>
@@ -15313,7 +15911,7 @@
         </p:nvSpPr>
         <p:spPr>
           <a:xfrm>
-            <a:off x="1600200" y="2418347"/>
+            <a:off x="1491815" y="2113547"/>
             <a:ext cx="7206916" cy="2400657"/>
           </a:xfrm>
           <a:prstGeom prst="rect">
@@ -16221,39 +16819,6 @@
           </a:p>
         </p:txBody>
       </p:sp>
-      <p:pic>
-        <p:nvPicPr>
-          <p:cNvPr id="4" name="Picture 3" descr="DTH Share Mô Hình Waterfall 7 tầng"/>
-          <p:cNvPicPr/>
-          <p:nvPr/>
-        </p:nvPicPr>
-        <p:blipFill>
-          <a:blip r:embed="rId2">
-            <a:extLst>
-              <a:ext uri="{28A0092B-C50C-407E-A947-70E740481C1C}">
-                <a14:useLocalDpi xmlns:a14="http://schemas.microsoft.com/office/drawing/2010/main" val="0"/>
-              </a:ext>
-            </a:extLst>
-          </a:blip>
-          <a:srcRect/>
-          <a:stretch>
-            <a:fillRect/>
-          </a:stretch>
-        </p:blipFill>
-        <p:spPr bwMode="auto">
-          <a:xfrm>
-            <a:off x="1944260" y="2938295"/>
-            <a:ext cx="8303479" cy="3363112"/>
-          </a:xfrm>
-          <a:prstGeom prst="rect">
-            <a:avLst/>
-          </a:prstGeom>
-          <a:noFill/>
-          <a:ln>
-            <a:noFill/>
-          </a:ln>
-        </p:spPr>
-      </p:pic>
       <p:sp>
         <p:nvSpPr>
           <p:cNvPr id="7" name="Slide Number Placeholder 6"/>
@@ -16277,6 +16842,42 @@
           </a:p>
         </p:txBody>
       </p:sp>
+      <p:pic>
+        <p:nvPicPr>
+          <p:cNvPr id="6" name="Picture 5">
+            <a:extLst>
+              <a:ext uri="{FF2B5EF4-FFF2-40B4-BE49-F238E27FC236}">
+                <a16:creationId xmlns:a16="http://schemas.microsoft.com/office/drawing/2014/main" id="{3DBD3923-D78A-418A-8885-87E21809E495}"/>
+              </a:ext>
+            </a:extLst>
+          </p:cNvPr>
+          <p:cNvPicPr>
+            <a:picLocks noChangeAspect="1"/>
+          </p:cNvPicPr>
+          <p:nvPr/>
+        </p:nvPicPr>
+        <p:blipFill>
+          <a:blip r:embed="rId2">
+            <a:extLst>
+              <a:ext uri="{28A0092B-C50C-407E-A947-70E740481C1C}">
+                <a14:useLocalDpi xmlns:a14="http://schemas.microsoft.com/office/drawing/2010/main" val="0"/>
+              </a:ext>
+            </a:extLst>
+          </a:blip>
+          <a:stretch>
+            <a:fillRect/>
+          </a:stretch>
+        </p:blipFill>
+        <p:spPr>
+          <a:xfrm>
+            <a:off x="3504539" y="2889394"/>
+            <a:ext cx="5182296" cy="3176443"/>
+          </a:xfrm>
+          <a:prstGeom prst="rect">
+            <a:avLst/>
+          </a:prstGeom>
+        </p:spPr>
+      </p:pic>
     </p:spTree>
   </p:cSld>
   <p:clrMapOvr>
@@ -16521,7 +17122,7 @@
                             </p:stCondLst>
                             <p:childTnLst>
                               <p:par>
-                                <p:cTn id="17" presetID="6" presetClass="entr" presetSubtype="16" fill="hold" nodeType="clickEffect">
+                                <p:cTn id="17" presetID="13" presetClass="entr" presetSubtype="16" fill="hold" nodeType="clickEffect">
                                   <p:stCondLst>
                                     <p:cond delay="0"/>
                                   </p:stCondLst>
@@ -16534,7 +17135,7 @@
                                           </p:stCondLst>
                                         </p:cTn>
                                         <p:tgtEl>
-                                          <p:spTgt spid="4"/>
+                                          <p:spTgt spid="6"/>
                                         </p:tgtEl>
                                         <p:attrNameLst>
                                           <p:attrName>style.visibility</p:attrName>
@@ -16544,11 +17145,11 @@
                                         <p:strVal val="visible"/>
                                       </p:to>
                                     </p:set>
-                                    <p:animEffect transition="in" filter="circle(in)">
+                                    <p:animEffect transition="in" filter="plus(in)">
                                       <p:cBhvr>
                                         <p:cTn id="19" dur="2000"/>
                                         <p:tgtEl>
-                                          <p:spTgt spid="4"/>
+                                          <p:spTgt spid="6"/>
                                         </p:tgtEl>
                                       </p:cBhvr>
                                     </p:animEffect>
@@ -20116,39 +20717,7 @@
                 <a:ea typeface="Tahoma" panose="020B0604030504040204" pitchFamily="34" charset="0"/>
                 <a:cs typeface="Tahoma" panose="020B0604030504040204" pitchFamily="34" charset="0"/>
               </a:rPr>
-              <a:t>nhỏ</a:t>
-            </a:r>
-            <a:r>
-              <a:rPr lang="en-GB" sz="2500" dirty="0">
-                <a:latin typeface="Times New Roman" panose="02020603050405020304" pitchFamily="18" charset="0"/>
-                <a:ea typeface="Tahoma" panose="020B0604030504040204" pitchFamily="34" charset="0"/>
-                <a:cs typeface="Tahoma" panose="020B0604030504040204" pitchFamily="34" charset="0"/>
-              </a:rPr>
-              <a:t> </a:t>
-            </a:r>
-            <a:r>
-              <a:rPr lang="en-GB" sz="2500" dirty="0" err="1">
-                <a:latin typeface="Times New Roman" panose="02020603050405020304" pitchFamily="18" charset="0"/>
-                <a:ea typeface="Tahoma" panose="020B0604030504040204" pitchFamily="34" charset="0"/>
-                <a:cs typeface="Tahoma" panose="020B0604030504040204" pitchFamily="34" charset="0"/>
-              </a:rPr>
-              <a:t>hơn</a:t>
-            </a:r>
-            <a:r>
-              <a:rPr lang="en-GB" sz="2500" dirty="0">
-                <a:latin typeface="Times New Roman" panose="02020603050405020304" pitchFamily="18" charset="0"/>
-                <a:ea typeface="Tahoma" panose="020B0604030504040204" pitchFamily="34" charset="0"/>
-                <a:cs typeface="Tahoma" panose="020B0604030504040204" pitchFamily="34" charset="0"/>
-              </a:rPr>
-              <a:t>, </a:t>
-            </a:r>
-            <a:r>
-              <a:rPr lang="en-GB" sz="2500" dirty="0" err="1">
-                <a:latin typeface="Times New Roman" panose="02020603050405020304" pitchFamily="18" charset="0"/>
-                <a:ea typeface="Tahoma" panose="020B0604030504040204" pitchFamily="34" charset="0"/>
-                <a:cs typeface="Tahoma" panose="020B0604030504040204" pitchFamily="34" charset="0"/>
-              </a:rPr>
-              <a:t>nơi</a:t>
+              <a:t>có</a:t>
             </a:r>
             <a:r>
               <a:rPr lang="en-GB" sz="2500" dirty="0">

--- a/SEMINAR/Seminar.pptx
+++ b/SEMINAR/Seminar.pptx
@@ -210,7 +210,7 @@
           <a:p>
             <a:fld id="{8D6F176A-20DB-419A-A316-CB18727BE9E7}" type="datetimeFigureOut">
               <a:rPr lang="en-US" smtClean="0"/>
-              <a:t>27/04/2018</a:t>
+              <a:t>5/8/2018</a:t>
             </a:fld>
             <a:endParaRPr lang="en-US"/>
           </a:p>
@@ -643,7 +643,7 @@
           <a:p>
             <a:fld id="{88D01429-BA7F-4469-87DB-0548295C10A9}" type="datetime1">
               <a:rPr lang="en-US" smtClean="0"/>
-              <a:t>27/04/2018</a:t>
+              <a:t>5/8/2018</a:t>
             </a:fld>
             <a:endParaRPr lang="en-US"/>
           </a:p>
@@ -950,7 +950,7 @@
           <a:p>
             <a:fld id="{52695B30-10D3-41F9-A859-BCD91930A355}" type="datetime1">
               <a:rPr lang="en-US" smtClean="0"/>
-              <a:t>27/04/2018</a:t>
+              <a:t>5/8/2018</a:t>
             </a:fld>
             <a:endParaRPr lang="en-US"/>
           </a:p>
@@ -1167,7 +1167,7 @@
           <a:p>
             <a:fld id="{83E69A3D-6127-46F6-9C7C-CC3A0E1FFDD1}" type="datetime1">
               <a:rPr lang="en-US" smtClean="0"/>
-              <a:t>27/04/2018</a:t>
+              <a:t>5/8/2018</a:t>
             </a:fld>
             <a:endParaRPr lang="en-US"/>
           </a:p>
@@ -1453,7 +1453,7 @@
           <a:p>
             <a:fld id="{99998E29-EE15-4B8F-AA0A-74E89FDE28FE}" type="datetime1">
               <a:rPr lang="en-US" smtClean="0"/>
-              <a:t>27/04/2018</a:t>
+              <a:t>5/8/2018</a:t>
             </a:fld>
             <a:endParaRPr lang="en-US"/>
           </a:p>
@@ -1902,7 +1902,7 @@
           <a:p>
             <a:fld id="{6DE933E9-C4D6-4372-91B7-E82F7D51DCB7}" type="datetime1">
               <a:rPr lang="en-US" smtClean="0"/>
-              <a:t>27/04/2018</a:t>
+              <a:t>5/8/2018</a:t>
             </a:fld>
             <a:endParaRPr lang="en-US"/>
           </a:p>
@@ -2473,7 +2473,7 @@
           <a:p>
             <a:fld id="{000E013C-2778-4DE1-8656-D1F69B4ABB07}" type="datetime1">
               <a:rPr lang="en-US" smtClean="0"/>
-              <a:t>27/04/2018</a:t>
+              <a:t>5/8/2018</a:t>
             </a:fld>
             <a:endParaRPr lang="en-US"/>
           </a:p>
@@ -3320,7 +3320,7 @@
           <a:p>
             <a:fld id="{C84298BA-0A92-4606-B9E1-7E80DE9546BF}" type="datetime1">
               <a:rPr lang="en-US" smtClean="0"/>
-              <a:t>27/04/2018</a:t>
+              <a:t>5/8/2018</a:t>
             </a:fld>
             <a:endParaRPr lang="en-US"/>
           </a:p>
@@ -3520,7 +3520,7 @@
           <a:p>
             <a:fld id="{D2583EDF-D5B5-43EA-A179-877D2932B254}" type="datetime1">
               <a:rPr lang="en-US" smtClean="0"/>
-              <a:t>27/04/2018</a:t>
+              <a:t>5/8/2018</a:t>
             </a:fld>
             <a:endParaRPr lang="en-US"/>
           </a:p>
@@ -3729,7 +3729,7 @@
           <a:p>
             <a:fld id="{74E557E1-0AEB-47C6-A698-960411513F23}" type="datetime1">
               <a:rPr lang="en-US" smtClean="0"/>
-              <a:t>27/04/2018</a:t>
+              <a:t>5/8/2018</a:t>
             </a:fld>
             <a:endParaRPr lang="en-US"/>
           </a:p>
@@ -3929,7 +3929,7 @@
           <a:p>
             <a:fld id="{4F54B63A-A422-47DF-8959-0F2BAFC78F5D}" type="datetime1">
               <a:rPr lang="en-US" smtClean="0"/>
-              <a:t>27/04/2018</a:t>
+              <a:t>5/8/2018</a:t>
             </a:fld>
             <a:endParaRPr lang="en-US"/>
           </a:p>
@@ -4204,7 +4204,7 @@
           <a:p>
             <a:fld id="{7AB1CA06-7AD4-4894-94AF-95E0E2513B72}" type="datetime1">
               <a:rPr lang="en-US" smtClean="0"/>
-              <a:t>27/04/2018</a:t>
+              <a:t>5/8/2018</a:t>
             </a:fld>
             <a:endParaRPr lang="en-US"/>
           </a:p>
@@ -4466,7 +4466,7 @@
           <a:p>
             <a:fld id="{02AFCF8F-6457-4E98-8A92-AD422F2DE2DD}" type="datetime1">
               <a:rPr lang="en-US" smtClean="0"/>
-              <a:t>27/04/2018</a:t>
+              <a:t>5/8/2018</a:t>
             </a:fld>
             <a:endParaRPr lang="en-US"/>
           </a:p>
@@ -4876,7 +4876,7 @@
           <a:p>
             <a:fld id="{B78901DD-A918-4B09-99CB-D4559AE441DE}" type="datetime1">
               <a:rPr lang="en-US" smtClean="0"/>
-              <a:t>27/04/2018</a:t>
+              <a:t>5/8/2018</a:t>
             </a:fld>
             <a:endParaRPr lang="en-US"/>
           </a:p>
@@ -5019,7 +5019,7 @@
           <a:p>
             <a:fld id="{CD8A6D92-F2D7-4404-B25E-944AA2355307}" type="datetime1">
               <a:rPr lang="en-US" smtClean="0"/>
-              <a:t>27/04/2018</a:t>
+              <a:t>5/8/2018</a:t>
             </a:fld>
             <a:endParaRPr lang="en-US"/>
           </a:p>
@@ -5139,7 +5139,7 @@
           <a:p>
             <a:fld id="{1AAE86A8-E964-4873-8C46-7ECA4F2106B8}" type="datetime1">
               <a:rPr lang="en-US" smtClean="0"/>
-              <a:t>27/04/2018</a:t>
+              <a:t>5/8/2018</a:t>
             </a:fld>
             <a:endParaRPr lang="en-US"/>
           </a:p>
@@ -5413,7 +5413,7 @@
           <a:p>
             <a:fld id="{7B3420EA-0922-44EA-9E5F-D072AE7DE1A3}" type="datetime1">
               <a:rPr lang="en-US" smtClean="0"/>
-              <a:t>27/04/2018</a:t>
+              <a:t>5/8/2018</a:t>
             </a:fld>
             <a:endParaRPr lang="en-US"/>
           </a:p>
@@ -5720,7 +5720,7 @@
           <a:p>
             <a:fld id="{31D63C95-EB5A-4B80-86C7-AC8D2A04E2B5}" type="datetime1">
               <a:rPr lang="en-US" smtClean="0"/>
-              <a:t>27/04/2018</a:t>
+              <a:t>5/8/2018</a:t>
             </a:fld>
             <a:endParaRPr lang="en-US"/>
           </a:p>
@@ -5967,7 +5967,7 @@
           <a:p>
             <a:fld id="{33E8DCB2-3C86-4671-9450-C782F1601F56}" type="datetime1">
               <a:rPr lang="en-US" smtClean="0"/>
-              <a:t>27/04/2018</a:t>
+              <a:t>5/8/2018</a:t>
             </a:fld>
             <a:endParaRPr lang="en-US"/>
           </a:p>
@@ -16221,39 +16221,6 @@
           </a:p>
         </p:txBody>
       </p:sp>
-      <p:pic>
-        <p:nvPicPr>
-          <p:cNvPr id="4" name="Picture 3" descr="DTH Share Mô Hình Waterfall 7 tầng"/>
-          <p:cNvPicPr/>
-          <p:nvPr/>
-        </p:nvPicPr>
-        <p:blipFill>
-          <a:blip r:embed="rId2">
-            <a:extLst>
-              <a:ext uri="{28A0092B-C50C-407E-A947-70E740481C1C}">
-                <a14:useLocalDpi xmlns:a14="http://schemas.microsoft.com/office/drawing/2010/main" val="0"/>
-              </a:ext>
-            </a:extLst>
-          </a:blip>
-          <a:srcRect/>
-          <a:stretch>
-            <a:fillRect/>
-          </a:stretch>
-        </p:blipFill>
-        <p:spPr bwMode="auto">
-          <a:xfrm>
-            <a:off x="1944260" y="2938295"/>
-            <a:ext cx="8303479" cy="3363112"/>
-          </a:xfrm>
-          <a:prstGeom prst="rect">
-            <a:avLst/>
-          </a:prstGeom>
-          <a:noFill/>
-          <a:ln>
-            <a:noFill/>
-          </a:ln>
-        </p:spPr>
-      </p:pic>
       <p:sp>
         <p:nvSpPr>
           <p:cNvPr id="7" name="Slide Number Placeholder 6"/>
@@ -16277,6 +16244,42 @@
           </a:p>
         </p:txBody>
       </p:sp>
+      <p:pic>
+        <p:nvPicPr>
+          <p:cNvPr id="5" name="Hình ảnh 4">
+            <a:extLst>
+              <a:ext uri="{FF2B5EF4-FFF2-40B4-BE49-F238E27FC236}">
+                <a16:creationId xmlns:a16="http://schemas.microsoft.com/office/drawing/2014/main" id="{BF096168-42DA-4B66-AB70-404A75EBCC35}"/>
+              </a:ext>
+            </a:extLst>
+          </p:cNvPr>
+          <p:cNvPicPr>
+            <a:picLocks noChangeAspect="1"/>
+          </p:cNvPicPr>
+          <p:nvPr/>
+        </p:nvPicPr>
+        <p:blipFill>
+          <a:blip r:embed="rId2">
+            <a:extLst>
+              <a:ext uri="{28A0092B-C50C-407E-A947-70E740481C1C}">
+                <a14:useLocalDpi xmlns:a14="http://schemas.microsoft.com/office/drawing/2010/main" val="0"/>
+              </a:ext>
+            </a:extLst>
+          </a:blip>
+          <a:stretch>
+            <a:fillRect/>
+          </a:stretch>
+        </p:blipFill>
+        <p:spPr>
+          <a:xfrm>
+            <a:off x="3176274" y="2707481"/>
+            <a:ext cx="5838825" cy="3936208"/>
+          </a:xfrm>
+          <a:prstGeom prst="rect">
+            <a:avLst/>
+          </a:prstGeom>
+        </p:spPr>
+      </p:pic>
     </p:spTree>
   </p:cSld>
   <p:clrMapOvr>
@@ -16499,59 +16502,6 @@
                                         </p:tav>
                                       </p:tavLst>
                                     </p:anim>
-                                  </p:childTnLst>
-                                </p:cTn>
-                              </p:par>
-                            </p:childTnLst>
-                          </p:cTn>
-                        </p:par>
-                      </p:childTnLst>
-                    </p:cTn>
-                  </p:par>
-                  <p:par>
-                    <p:cTn id="15" fill="hold">
-                      <p:stCondLst>
-                        <p:cond delay="indefinite"/>
-                      </p:stCondLst>
-                      <p:childTnLst>
-                        <p:par>
-                          <p:cTn id="16" fill="hold">
-                            <p:stCondLst>
-                              <p:cond delay="0"/>
-                            </p:stCondLst>
-                            <p:childTnLst>
-                              <p:par>
-                                <p:cTn id="17" presetID="6" presetClass="entr" presetSubtype="16" fill="hold" nodeType="clickEffect">
-                                  <p:stCondLst>
-                                    <p:cond delay="0"/>
-                                  </p:stCondLst>
-                                  <p:childTnLst>
-                                    <p:set>
-                                      <p:cBhvr>
-                                        <p:cTn id="18" dur="1" fill="hold">
-                                          <p:stCondLst>
-                                            <p:cond delay="0"/>
-                                          </p:stCondLst>
-                                        </p:cTn>
-                                        <p:tgtEl>
-                                          <p:spTgt spid="4"/>
-                                        </p:tgtEl>
-                                        <p:attrNameLst>
-                                          <p:attrName>style.visibility</p:attrName>
-                                        </p:attrNameLst>
-                                      </p:cBhvr>
-                                      <p:to>
-                                        <p:strVal val="visible"/>
-                                      </p:to>
-                                    </p:set>
-                                    <p:animEffect transition="in" filter="circle(in)">
-                                      <p:cBhvr>
-                                        <p:cTn id="19" dur="2000"/>
-                                        <p:tgtEl>
-                                          <p:spTgt spid="4"/>
-                                        </p:tgtEl>
-                                      </p:cBhvr>
-                                    </p:animEffect>
                                   </p:childTnLst>
                                 </p:cTn>
                               </p:par>

--- a/SEMINAR/Seminar.pptx
+++ b/SEMINAR/Seminar.pptx
@@ -5,23 +5,23 @@
     <p:sldMasterId id="2147483648" r:id="rId1"/>
   </p:sldMasterIdLst>
   <p:notesMasterIdLst>
-    <p:notesMasterId r:id="rId16"/>
+    <p:notesMasterId r:id="rId17"/>
   </p:notesMasterIdLst>
   <p:sldIdLst>
-    <p:sldId id="256" r:id="rId2"/>
-    <p:sldId id="269" r:id="rId3"/>
-    <p:sldId id="280" r:id="rId4"/>
-    <p:sldId id="281" r:id="rId5"/>
-    <p:sldId id="257" r:id="rId6"/>
-    <p:sldId id="258" r:id="rId7"/>
-    <p:sldId id="259" r:id="rId8"/>
-    <p:sldId id="267" r:id="rId9"/>
-    <p:sldId id="260" r:id="rId10"/>
-    <p:sldId id="261" r:id="rId11"/>
-    <p:sldId id="263" r:id="rId12"/>
-    <p:sldId id="266" r:id="rId13"/>
-    <p:sldId id="264" r:id="rId14"/>
-    <p:sldId id="282" r:id="rId15"/>
+    <p:sldId id="256" r:id="rId3"/>
+    <p:sldId id="269" r:id="rId4"/>
+    <p:sldId id="280" r:id="rId5"/>
+    <p:sldId id="281" r:id="rId6"/>
+    <p:sldId id="257" r:id="rId7"/>
+    <p:sldId id="258" r:id="rId8"/>
+    <p:sldId id="259" r:id="rId9"/>
+    <p:sldId id="267" r:id="rId10"/>
+    <p:sldId id="260" r:id="rId11"/>
+    <p:sldId id="261" r:id="rId12"/>
+    <p:sldId id="263" r:id="rId13"/>
+    <p:sldId id="266" r:id="rId14"/>
+    <p:sldId id="264" r:id="rId15"/>
+    <p:sldId id="282" r:id="rId16"/>
   </p:sldIdLst>
   <p:sldSz cx="12192000" cy="6858000"/>
   <p:notesSz cx="6858000" cy="9144000"/>
@@ -120,11 +120,6 @@
       </a:defRPr>
     </a:lvl9pPr>
   </p:defaultTextStyle>
-  <p:extLst>
-    <p:ext uri="{EFAFB233-063F-42B5-8137-9DF3F51BA10A}">
-      <p15:sldGuideLst xmlns:p15="http://schemas.microsoft.com/office/powerpoint/2012/main"/>
-    </p:ext>
-  </p:extLst>
 </p:presentation>
 </file>
 
@@ -210,7 +205,6 @@
           <a:p>
             <a:fld id="{8D6F176A-20DB-419A-A316-CB18727BE9E7}" type="datetimeFigureOut">
               <a:rPr lang="en-US" smtClean="0"/>
-              <a:t>27/04/2018</a:t>
             </a:fld>
             <a:endParaRPr lang="en-US"/>
           </a:p>
@@ -277,6 +271,7 @@
               <a:rPr lang="en-US"/>
               <a:t>Edit Master text styles</a:t>
             </a:r>
+            <a:endParaRPr lang="en-US"/>
           </a:p>
           <a:p>
             <a:pPr lvl="1"/>
@@ -284,6 +279,7 @@
               <a:rPr lang="en-US"/>
               <a:t>Second level</a:t>
             </a:r>
+            <a:endParaRPr lang="en-US"/>
           </a:p>
           <a:p>
             <a:pPr lvl="2"/>
@@ -291,6 +287,7 @@
               <a:rPr lang="en-US"/>
               <a:t>Third level</a:t>
             </a:r>
+            <a:endParaRPr lang="en-US"/>
           </a:p>
           <a:p>
             <a:pPr lvl="3"/>
@@ -298,6 +295,7 @@
               <a:rPr lang="en-US"/>
               <a:t>Fourth level</a:t>
             </a:r>
+            <a:endParaRPr lang="en-US"/>
           </a:p>
           <a:p>
             <a:pPr lvl="4"/>
@@ -305,6 +303,7 @@
               <a:rPr lang="en-US"/>
               <a:t>Fifth level</a:t>
             </a:r>
+            <a:endParaRPr lang="en-US"/>
           </a:p>
         </p:txBody>
       </p:sp>
@@ -368,7 +367,6 @@
           <a:p>
             <a:fld id="{B668CA86-01AF-40F0-9A55-3DE8452BA234}" type="slidenum">
               <a:rPr lang="en-US" smtClean="0"/>
-              <a:t>‹#›</a:t>
             </a:fld>
             <a:endParaRPr lang="en-US"/>
           </a:p>
@@ -643,7 +641,6 @@
           <a:p>
             <a:fld id="{88D01429-BA7F-4469-87DB-0548295C10A9}" type="datetime1">
               <a:rPr lang="en-US" smtClean="0"/>
-              <a:t>27/04/2018</a:t>
             </a:fld>
             <a:endParaRPr lang="en-US"/>
           </a:p>
@@ -685,7 +682,6 @@
           <a:p>
             <a:fld id="{6BB9AED3-D2BB-49A3-B8E7-A4A64ED2F011}" type="slidenum">
               <a:rPr lang="en-US" smtClean="0"/>
-              <a:t>‹#›</a:t>
             </a:fld>
             <a:endParaRPr lang="en-US"/>
           </a:p>
@@ -930,6 +926,7 @@
               <a:rPr lang="en-US"/>
               <a:t>Edit Master text styles</a:t>
             </a:r>
+            <a:endParaRPr lang="en-US"/>
           </a:p>
         </p:txBody>
       </p:sp>
@@ -950,7 +947,6 @@
           <a:p>
             <a:fld id="{52695B30-10D3-41F9-A859-BCD91930A355}" type="datetime1">
               <a:rPr lang="en-US" smtClean="0"/>
-              <a:t>27/04/2018</a:t>
             </a:fld>
             <a:endParaRPr lang="en-US"/>
           </a:p>
@@ -992,7 +988,6 @@
           <a:p>
             <a:fld id="{6BB9AED3-D2BB-49A3-B8E7-A4A64ED2F011}" type="slidenum">
               <a:rPr lang="en-US" smtClean="0"/>
-              <a:t>‹#›</a:t>
             </a:fld>
             <a:endParaRPr lang="en-US"/>
           </a:p>
@@ -1147,6 +1142,7 @@
               <a:rPr lang="en-US"/>
               <a:t>Edit Master text styles</a:t>
             </a:r>
+            <a:endParaRPr lang="en-US"/>
           </a:p>
         </p:txBody>
       </p:sp>
@@ -1167,7 +1163,6 @@
           <a:p>
             <a:fld id="{83E69A3D-6127-46F6-9C7C-CC3A0E1FFDD1}" type="datetime1">
               <a:rPr lang="en-US" smtClean="0"/>
-              <a:t>27/04/2018</a:t>
             </a:fld>
             <a:endParaRPr lang="en-US"/>
           </a:p>
@@ -1209,7 +1204,6 @@
           <a:p>
             <a:fld id="{6BB9AED3-D2BB-49A3-B8E7-A4A64ED2F011}" type="slidenum">
               <a:rPr lang="en-US" smtClean="0"/>
-              <a:t>‹#›</a:t>
             </a:fld>
             <a:endParaRPr lang="en-US"/>
           </a:p>
@@ -1366,6 +1360,7 @@
               <a:rPr lang="en-US"/>
               <a:t>Edit Master text styles</a:t>
             </a:r>
+            <a:endParaRPr lang="en-US"/>
           </a:p>
         </p:txBody>
       </p:sp>
@@ -1433,6 +1428,7 @@
               <a:rPr lang="en-US"/>
               <a:t>Edit Master text styles</a:t>
             </a:r>
+            <a:endParaRPr lang="en-US"/>
           </a:p>
         </p:txBody>
       </p:sp>
@@ -1453,7 +1449,6 @@
           <a:p>
             <a:fld id="{99998E29-EE15-4B8F-AA0A-74E89FDE28FE}" type="datetime1">
               <a:rPr lang="en-US" smtClean="0"/>
-              <a:t>27/04/2018</a:t>
             </a:fld>
             <a:endParaRPr lang="en-US"/>
           </a:p>
@@ -1495,7 +1490,6 @@
           <a:p>
             <a:fld id="{6BB9AED3-D2BB-49A3-B8E7-A4A64ED2F011}" type="slidenum">
               <a:rPr lang="en-US" smtClean="0"/>
-              <a:t>‹#›</a:t>
             </a:fld>
             <a:endParaRPr lang="en-US"/>
           </a:p>
@@ -1614,6 +1608,12 @@
               </a:rPr>
               <a:t>“</a:t>
             </a:r>
+            <a:endParaRPr lang="en-US" sz="8000" dirty="0">
+              <a:solidFill>
+                <a:schemeClr val="tx1"/>
+              </a:solidFill>
+              <a:effectLst/>
+            </a:endParaRPr>
           </a:p>
         </p:txBody>
       </p:sp>
@@ -1730,6 +1730,12 @@
               </a:rPr>
               <a:t>”</a:t>
             </a:r>
+            <a:endParaRPr lang="en-US" sz="8000" dirty="0">
+              <a:solidFill>
+                <a:schemeClr val="tx1"/>
+              </a:solidFill>
+              <a:effectLst/>
+            </a:endParaRPr>
           </a:p>
         </p:txBody>
       </p:sp>
@@ -1882,6 +1888,7 @@
               <a:rPr lang="en-US"/>
               <a:t>Edit Master text styles</a:t>
             </a:r>
+            <a:endParaRPr lang="en-US"/>
           </a:p>
         </p:txBody>
       </p:sp>
@@ -1902,7 +1909,6 @@
           <a:p>
             <a:fld id="{6DE933E9-C4D6-4372-91B7-E82F7D51DCB7}" type="datetime1">
               <a:rPr lang="en-US" smtClean="0"/>
-              <a:t>27/04/2018</a:t>
             </a:fld>
             <a:endParaRPr lang="en-US"/>
           </a:p>
@@ -1944,7 +1950,6 @@
           <a:p>
             <a:fld id="{6BB9AED3-D2BB-49A3-B8E7-A4A64ED2F011}" type="slidenum">
               <a:rPr lang="en-US" smtClean="0"/>
-              <a:t>‹#›</a:t>
             </a:fld>
             <a:endParaRPr lang="en-US"/>
           </a:p>
@@ -2104,6 +2109,7 @@
               <a:rPr lang="en-US"/>
               <a:t>Edit Master text styles</a:t>
             </a:r>
+            <a:endParaRPr lang="en-US"/>
           </a:p>
         </p:txBody>
       </p:sp>
@@ -2171,6 +2177,7 @@
               <a:rPr lang="en-US"/>
               <a:t>Edit Master text styles</a:t>
             </a:r>
+            <a:endParaRPr lang="en-US"/>
           </a:p>
         </p:txBody>
       </p:sp>
@@ -2245,6 +2252,7 @@
               <a:rPr lang="en-US"/>
               <a:t>Edit Master text styles</a:t>
             </a:r>
+            <a:endParaRPr lang="en-US"/>
           </a:p>
         </p:txBody>
       </p:sp>
@@ -2312,6 +2320,7 @@
               <a:rPr lang="en-US"/>
               <a:t>Edit Master text styles</a:t>
             </a:r>
+            <a:endParaRPr lang="en-US"/>
           </a:p>
         </p:txBody>
       </p:sp>
@@ -2386,6 +2395,7 @@
               <a:rPr lang="en-US"/>
               <a:t>Edit Master text styles</a:t>
             </a:r>
+            <a:endParaRPr lang="en-US"/>
           </a:p>
         </p:txBody>
       </p:sp>
@@ -2453,6 +2463,7 @@
               <a:rPr lang="en-US"/>
               <a:t>Edit Master text styles</a:t>
             </a:r>
+            <a:endParaRPr lang="en-US"/>
           </a:p>
         </p:txBody>
       </p:sp>
@@ -2473,7 +2484,6 @@
           <a:p>
             <a:fld id="{000E013C-2778-4DE1-8656-D1F69B4ABB07}" type="datetime1">
               <a:rPr lang="en-US" smtClean="0"/>
-              <a:t>27/04/2018</a:t>
             </a:fld>
             <a:endParaRPr lang="en-US"/>
           </a:p>
@@ -2515,7 +2525,6 @@
           <a:p>
             <a:fld id="{6BB9AED3-D2BB-49A3-B8E7-A4A64ED2F011}" type="slidenum">
               <a:rPr lang="en-US" smtClean="0"/>
-              <a:t>‹#›</a:t>
             </a:fld>
             <a:endParaRPr lang="en-US"/>
           </a:p>
@@ -2675,6 +2684,7 @@
               <a:rPr lang="en-US"/>
               <a:t>Edit Master text styles</a:t>
             </a:r>
+            <a:endParaRPr lang="en-US"/>
           </a:p>
         </p:txBody>
       </p:sp>
@@ -2834,6 +2844,7 @@
               <a:rPr lang="en-US"/>
               <a:t>Edit Master text styles</a:t>
             </a:r>
+            <a:endParaRPr lang="en-US"/>
           </a:p>
         </p:txBody>
       </p:sp>
@@ -2908,6 +2919,7 @@
               <a:rPr lang="en-US"/>
               <a:t>Edit Master text styles</a:t>
             </a:r>
+            <a:endParaRPr lang="en-US"/>
           </a:p>
         </p:txBody>
       </p:sp>
@@ -3067,6 +3079,7 @@
               <a:rPr lang="en-US"/>
               <a:t>Edit Master text styles</a:t>
             </a:r>
+            <a:endParaRPr lang="en-US"/>
           </a:p>
         </p:txBody>
       </p:sp>
@@ -3141,6 +3154,7 @@
               <a:rPr lang="en-US"/>
               <a:t>Edit Master text styles</a:t>
             </a:r>
+            <a:endParaRPr lang="en-US"/>
           </a:p>
         </p:txBody>
       </p:sp>
@@ -3300,6 +3314,7 @@
               <a:rPr lang="en-US"/>
               <a:t>Edit Master text styles</a:t>
             </a:r>
+            <a:endParaRPr lang="en-US"/>
           </a:p>
         </p:txBody>
       </p:sp>
@@ -3320,7 +3335,6 @@
           <a:p>
             <a:fld id="{C84298BA-0A92-4606-B9E1-7E80DE9546BF}" type="datetime1">
               <a:rPr lang="en-US" smtClean="0"/>
-              <a:t>27/04/2018</a:t>
             </a:fld>
             <a:endParaRPr lang="en-US"/>
           </a:p>
@@ -3362,7 +3376,6 @@
           <a:p>
             <a:fld id="{6BB9AED3-D2BB-49A3-B8E7-A4A64ED2F011}" type="slidenum">
               <a:rPr lang="en-US" smtClean="0"/>
-              <a:t>‹#›</a:t>
             </a:fld>
             <a:endParaRPr lang="en-US"/>
           </a:p>
@@ -3471,6 +3484,7 @@
               <a:rPr lang="en-US"/>
               <a:t>Edit Master text styles</a:t>
             </a:r>
+            <a:endParaRPr lang="en-US"/>
           </a:p>
           <a:p>
             <a:pPr lvl="1"/>
@@ -3478,6 +3492,7 @@
               <a:rPr lang="en-US"/>
               <a:t>Second level</a:t>
             </a:r>
+            <a:endParaRPr lang="en-US"/>
           </a:p>
           <a:p>
             <a:pPr lvl="2"/>
@@ -3485,6 +3500,7 @@
               <a:rPr lang="en-US"/>
               <a:t>Third level</a:t>
             </a:r>
+            <a:endParaRPr lang="en-US"/>
           </a:p>
           <a:p>
             <a:pPr lvl="3"/>
@@ -3492,6 +3508,7 @@
               <a:rPr lang="en-US"/>
               <a:t>Fourth level</a:t>
             </a:r>
+            <a:endParaRPr lang="en-US"/>
           </a:p>
           <a:p>
             <a:pPr lvl="4"/>
@@ -3520,7 +3537,6 @@
           <a:p>
             <a:fld id="{D2583EDF-D5B5-43EA-A179-877D2932B254}" type="datetime1">
               <a:rPr lang="en-US" smtClean="0"/>
-              <a:t>27/04/2018</a:t>
             </a:fld>
             <a:endParaRPr lang="en-US"/>
           </a:p>
@@ -3562,7 +3578,6 @@
           <a:p>
             <a:fld id="{6BB9AED3-D2BB-49A3-B8E7-A4A64ED2F011}" type="slidenum">
               <a:rPr lang="en-US" smtClean="0"/>
-              <a:t>‹#›</a:t>
             </a:fld>
             <a:endParaRPr lang="en-US"/>
           </a:p>
@@ -3680,6 +3695,7 @@
               <a:rPr lang="en-US"/>
               <a:t>Edit Master text styles</a:t>
             </a:r>
+            <a:endParaRPr lang="en-US"/>
           </a:p>
           <a:p>
             <a:pPr lvl="1"/>
@@ -3687,6 +3703,7 @@
               <a:rPr lang="en-US"/>
               <a:t>Second level</a:t>
             </a:r>
+            <a:endParaRPr lang="en-US"/>
           </a:p>
           <a:p>
             <a:pPr lvl="2"/>
@@ -3694,6 +3711,7 @@
               <a:rPr lang="en-US"/>
               <a:t>Third level</a:t>
             </a:r>
+            <a:endParaRPr lang="en-US"/>
           </a:p>
           <a:p>
             <a:pPr lvl="3"/>
@@ -3701,6 +3719,7 @@
               <a:rPr lang="en-US"/>
               <a:t>Fourth level</a:t>
             </a:r>
+            <a:endParaRPr lang="en-US"/>
           </a:p>
           <a:p>
             <a:pPr lvl="4"/>
@@ -3729,7 +3748,6 @@
           <a:p>
             <a:fld id="{74E557E1-0AEB-47C6-A698-960411513F23}" type="datetime1">
               <a:rPr lang="en-US" smtClean="0"/>
-              <a:t>27/04/2018</a:t>
             </a:fld>
             <a:endParaRPr lang="en-US"/>
           </a:p>
@@ -3771,7 +3789,6 @@
           <a:p>
             <a:fld id="{6BB9AED3-D2BB-49A3-B8E7-A4A64ED2F011}" type="slidenum">
               <a:rPr lang="en-US" smtClean="0"/>
-              <a:t>‹#›</a:t>
             </a:fld>
             <a:endParaRPr lang="en-US"/>
           </a:p>
@@ -3880,6 +3897,7 @@
               <a:rPr lang="en-US"/>
               <a:t>Edit Master text styles</a:t>
             </a:r>
+            <a:endParaRPr lang="en-US"/>
           </a:p>
           <a:p>
             <a:pPr lvl="1"/>
@@ -3887,6 +3905,7 @@
               <a:rPr lang="en-US"/>
               <a:t>Second level</a:t>
             </a:r>
+            <a:endParaRPr lang="en-US"/>
           </a:p>
           <a:p>
             <a:pPr lvl="2"/>
@@ -3894,6 +3913,7 @@
               <a:rPr lang="en-US"/>
               <a:t>Third level</a:t>
             </a:r>
+            <a:endParaRPr lang="en-US"/>
           </a:p>
           <a:p>
             <a:pPr lvl="3"/>
@@ -3901,6 +3921,7 @@
               <a:rPr lang="en-US"/>
               <a:t>Fourth level</a:t>
             </a:r>
+            <a:endParaRPr lang="en-US"/>
           </a:p>
           <a:p>
             <a:pPr lvl="4"/>
@@ -3929,7 +3950,6 @@
           <a:p>
             <a:fld id="{4F54B63A-A422-47DF-8959-0F2BAFC78F5D}" type="datetime1">
               <a:rPr lang="en-US" smtClean="0"/>
-              <a:t>27/04/2018</a:t>
             </a:fld>
             <a:endParaRPr lang="en-US"/>
           </a:p>
@@ -3971,7 +3991,6 @@
           <a:p>
             <a:fld id="{6BB9AED3-D2BB-49A3-B8E7-A4A64ED2F011}" type="slidenum">
               <a:rPr lang="en-US" smtClean="0"/>
-              <a:t>‹#›</a:t>
             </a:fld>
             <a:endParaRPr lang="en-US"/>
           </a:p>
@@ -4184,6 +4203,7 @@
               <a:rPr lang="en-US"/>
               <a:t>Edit Master text styles</a:t>
             </a:r>
+            <a:endParaRPr lang="en-US"/>
           </a:p>
         </p:txBody>
       </p:sp>
@@ -4204,7 +4224,6 @@
           <a:p>
             <a:fld id="{7AB1CA06-7AD4-4894-94AF-95E0E2513B72}" type="datetime1">
               <a:rPr lang="en-US" smtClean="0"/>
-              <a:t>27/04/2018</a:t>
             </a:fld>
             <a:endParaRPr lang="en-US"/>
           </a:p>
@@ -4246,7 +4265,6 @@
           <a:p>
             <a:fld id="{6BB9AED3-D2BB-49A3-B8E7-A4A64ED2F011}" type="slidenum">
               <a:rPr lang="en-US" smtClean="0"/>
-              <a:t>‹#›</a:t>
             </a:fld>
             <a:endParaRPr lang="en-US"/>
           </a:p>
@@ -4360,6 +4378,7 @@
               <a:rPr lang="en-US"/>
               <a:t>Edit Master text styles</a:t>
             </a:r>
+            <a:endParaRPr lang="en-US"/>
           </a:p>
           <a:p>
             <a:pPr lvl="1"/>
@@ -4367,6 +4386,7 @@
               <a:rPr lang="en-US"/>
               <a:t>Second level</a:t>
             </a:r>
+            <a:endParaRPr lang="en-US"/>
           </a:p>
           <a:p>
             <a:pPr lvl="2"/>
@@ -4374,6 +4394,7 @@
               <a:rPr lang="en-US"/>
               <a:t>Third level</a:t>
             </a:r>
+            <a:endParaRPr lang="en-US"/>
           </a:p>
           <a:p>
             <a:pPr lvl="3"/>
@@ -4381,6 +4402,7 @@
               <a:rPr lang="en-US"/>
               <a:t>Fourth level</a:t>
             </a:r>
+            <a:endParaRPr lang="en-US"/>
           </a:p>
           <a:p>
             <a:pPr lvl="4"/>
@@ -4417,6 +4439,7 @@
               <a:rPr lang="en-US"/>
               <a:t>Edit Master text styles</a:t>
             </a:r>
+            <a:endParaRPr lang="en-US"/>
           </a:p>
           <a:p>
             <a:pPr lvl="1"/>
@@ -4424,6 +4447,7 @@
               <a:rPr lang="en-US"/>
               <a:t>Second level</a:t>
             </a:r>
+            <a:endParaRPr lang="en-US"/>
           </a:p>
           <a:p>
             <a:pPr lvl="2"/>
@@ -4431,6 +4455,7 @@
               <a:rPr lang="en-US"/>
               <a:t>Third level</a:t>
             </a:r>
+            <a:endParaRPr lang="en-US"/>
           </a:p>
           <a:p>
             <a:pPr lvl="3"/>
@@ -4438,6 +4463,7 @@
               <a:rPr lang="en-US"/>
               <a:t>Fourth level</a:t>
             </a:r>
+            <a:endParaRPr lang="en-US"/>
           </a:p>
           <a:p>
             <a:pPr lvl="4"/>
@@ -4466,7 +4492,6 @@
           <a:p>
             <a:fld id="{02AFCF8F-6457-4E98-8A92-AD422F2DE2DD}" type="datetime1">
               <a:rPr lang="en-US" smtClean="0"/>
-              <a:t>27/04/2018</a:t>
             </a:fld>
             <a:endParaRPr lang="en-US"/>
           </a:p>
@@ -4508,7 +4533,6 @@
           <a:p>
             <a:fld id="{6BB9AED3-D2BB-49A3-B8E7-A4A64ED2F011}" type="slidenum">
               <a:rPr lang="en-US" smtClean="0"/>
-              <a:t>‹#›</a:t>
             </a:fld>
             <a:endParaRPr lang="en-US"/>
           </a:p>
@@ -4668,6 +4692,7 @@
               <a:rPr lang="en-US"/>
               <a:t>Edit Master text styles</a:t>
             </a:r>
+            <a:endParaRPr lang="en-US"/>
           </a:p>
         </p:txBody>
       </p:sp>
@@ -4696,6 +4721,7 @@
               <a:rPr lang="en-US"/>
               <a:t>Edit Master text styles</a:t>
             </a:r>
+            <a:endParaRPr lang="en-US"/>
           </a:p>
           <a:p>
             <a:pPr lvl="1"/>
@@ -4703,6 +4729,7 @@
               <a:rPr lang="en-US"/>
               <a:t>Second level</a:t>
             </a:r>
+            <a:endParaRPr lang="en-US"/>
           </a:p>
           <a:p>
             <a:pPr lvl="2"/>
@@ -4710,6 +4737,7 @@
               <a:rPr lang="en-US"/>
               <a:t>Third level</a:t>
             </a:r>
+            <a:endParaRPr lang="en-US"/>
           </a:p>
           <a:p>
             <a:pPr lvl="3"/>
@@ -4717,6 +4745,7 @@
               <a:rPr lang="en-US"/>
               <a:t>Fourth level</a:t>
             </a:r>
+            <a:endParaRPr lang="en-US"/>
           </a:p>
           <a:p>
             <a:pPr lvl="4"/>
@@ -4799,6 +4828,7 @@
               <a:rPr lang="en-US"/>
               <a:t>Edit Master text styles</a:t>
             </a:r>
+            <a:endParaRPr lang="en-US"/>
           </a:p>
         </p:txBody>
       </p:sp>
@@ -4827,6 +4857,7 @@
               <a:rPr lang="en-US"/>
               <a:t>Edit Master text styles</a:t>
             </a:r>
+            <a:endParaRPr lang="en-US"/>
           </a:p>
           <a:p>
             <a:pPr lvl="1"/>
@@ -4834,6 +4865,7 @@
               <a:rPr lang="en-US"/>
               <a:t>Second level</a:t>
             </a:r>
+            <a:endParaRPr lang="en-US"/>
           </a:p>
           <a:p>
             <a:pPr lvl="2"/>
@@ -4841,6 +4873,7 @@
               <a:rPr lang="en-US"/>
               <a:t>Third level</a:t>
             </a:r>
+            <a:endParaRPr lang="en-US"/>
           </a:p>
           <a:p>
             <a:pPr lvl="3"/>
@@ -4848,6 +4881,7 @@
               <a:rPr lang="en-US"/>
               <a:t>Fourth level</a:t>
             </a:r>
+            <a:endParaRPr lang="en-US"/>
           </a:p>
           <a:p>
             <a:pPr lvl="4"/>
@@ -4876,7 +4910,6 @@
           <a:p>
             <a:fld id="{B78901DD-A918-4B09-99CB-D4559AE441DE}" type="datetime1">
               <a:rPr lang="en-US" smtClean="0"/>
-              <a:t>27/04/2018</a:t>
             </a:fld>
             <a:endParaRPr lang="en-US"/>
           </a:p>
@@ -4918,7 +4951,6 @@
           <a:p>
             <a:fld id="{6BB9AED3-D2BB-49A3-B8E7-A4A64ED2F011}" type="slidenum">
               <a:rPr lang="en-US" smtClean="0"/>
-              <a:t>‹#›</a:t>
             </a:fld>
             <a:endParaRPr lang="en-US"/>
           </a:p>
@@ -5019,7 +5051,6 @@
           <a:p>
             <a:fld id="{CD8A6D92-F2D7-4404-B25E-944AA2355307}" type="datetime1">
               <a:rPr lang="en-US" smtClean="0"/>
-              <a:t>27/04/2018</a:t>
             </a:fld>
             <a:endParaRPr lang="en-US"/>
           </a:p>
@@ -5061,7 +5092,6 @@
           <a:p>
             <a:fld id="{6BB9AED3-D2BB-49A3-B8E7-A4A64ED2F011}" type="slidenum">
               <a:rPr lang="en-US" smtClean="0"/>
-              <a:t>‹#›</a:t>
             </a:fld>
             <a:endParaRPr lang="en-US"/>
           </a:p>
@@ -5139,7 +5169,6 @@
           <a:p>
             <a:fld id="{1AAE86A8-E964-4873-8C46-7ECA4F2106B8}" type="datetime1">
               <a:rPr lang="en-US" smtClean="0"/>
-              <a:t>27/04/2018</a:t>
             </a:fld>
             <a:endParaRPr lang="en-US"/>
           </a:p>
@@ -5181,7 +5210,6 @@
           <a:p>
             <a:fld id="{6BB9AED3-D2BB-49A3-B8E7-A4A64ED2F011}" type="slidenum">
               <a:rPr lang="en-US" smtClean="0"/>
-              <a:t>‹#›</a:t>
             </a:fld>
             <a:endParaRPr lang="en-US"/>
           </a:p>
@@ -5299,6 +5327,7 @@
               <a:rPr lang="en-US"/>
               <a:t>Edit Master text styles</a:t>
             </a:r>
+            <a:endParaRPr lang="en-US"/>
           </a:p>
           <a:p>
             <a:pPr lvl="1"/>
@@ -5306,6 +5335,7 @@
               <a:rPr lang="en-US"/>
               <a:t>Second level</a:t>
             </a:r>
+            <a:endParaRPr lang="en-US"/>
           </a:p>
           <a:p>
             <a:pPr lvl="2"/>
@@ -5313,6 +5343,7 @@
               <a:rPr lang="en-US"/>
               <a:t>Third level</a:t>
             </a:r>
+            <a:endParaRPr lang="en-US"/>
           </a:p>
           <a:p>
             <a:pPr lvl="3"/>
@@ -5320,6 +5351,7 @@
               <a:rPr lang="en-US"/>
               <a:t>Fourth level</a:t>
             </a:r>
+            <a:endParaRPr lang="en-US"/>
           </a:p>
           <a:p>
             <a:pPr lvl="4"/>
@@ -5393,6 +5425,7 @@
               <a:rPr lang="en-US"/>
               <a:t>Edit Master text styles</a:t>
             </a:r>
+            <a:endParaRPr lang="en-US"/>
           </a:p>
         </p:txBody>
       </p:sp>
@@ -5413,7 +5446,6 @@
           <a:p>
             <a:fld id="{7B3420EA-0922-44EA-9E5F-D072AE7DE1A3}" type="datetime1">
               <a:rPr lang="en-US" smtClean="0"/>
-              <a:t>27/04/2018</a:t>
             </a:fld>
             <a:endParaRPr lang="en-US"/>
           </a:p>
@@ -5455,7 +5487,6 @@
           <a:p>
             <a:fld id="{6BB9AED3-D2BB-49A3-B8E7-A4A64ED2F011}" type="slidenum">
               <a:rPr lang="en-US" smtClean="0"/>
-              <a:t>‹#›</a:t>
             </a:fld>
             <a:endParaRPr lang="en-US"/>
           </a:p>
@@ -5700,6 +5731,7 @@
               <a:rPr lang="en-US"/>
               <a:t>Edit Master text styles</a:t>
             </a:r>
+            <a:endParaRPr lang="en-US"/>
           </a:p>
         </p:txBody>
       </p:sp>
@@ -5720,7 +5752,6 @@
           <a:p>
             <a:fld id="{31D63C95-EB5A-4B80-86C7-AC8D2A04E2B5}" type="datetime1">
               <a:rPr lang="en-US" smtClean="0"/>
-              <a:t>27/04/2018</a:t>
             </a:fld>
             <a:endParaRPr lang="en-US"/>
           </a:p>
@@ -5762,7 +5793,6 @@
           <a:p>
             <a:fld id="{6BB9AED3-D2BB-49A3-B8E7-A4A64ED2F011}" type="slidenum">
               <a:rPr lang="en-US" smtClean="0"/>
-              <a:t>‹#›</a:t>
             </a:fld>
             <a:endParaRPr lang="en-US"/>
           </a:p>
@@ -5807,7 +5837,7 @@
           <p:nvPr/>
         </p:nvPicPr>
         <p:blipFill>
-          <a:blip r:embed="rId19">
+          <a:blip r:embed="rId18">
             <a:extLst>
               <a:ext uri="{28A0092B-C50C-407E-A947-70E740481C1C}">
                 <a14:useLocalDpi xmlns:a14="http://schemas.microsoft.com/office/drawing/2010/main" val="0"/>
@@ -5902,6 +5932,7 @@
               <a:rPr lang="en-US"/>
               <a:t>Edit Master text styles</a:t>
             </a:r>
+            <a:endParaRPr lang="en-US"/>
           </a:p>
           <a:p>
             <a:pPr lvl="1"/>
@@ -5909,6 +5940,7 @@
               <a:rPr lang="en-US"/>
               <a:t>Second level</a:t>
             </a:r>
+            <a:endParaRPr lang="en-US"/>
           </a:p>
           <a:p>
             <a:pPr lvl="2"/>
@@ -5916,6 +5948,7 @@
               <a:rPr lang="en-US"/>
               <a:t>Third level</a:t>
             </a:r>
+            <a:endParaRPr lang="en-US"/>
           </a:p>
           <a:p>
             <a:pPr lvl="3"/>
@@ -5923,6 +5956,7 @@
               <a:rPr lang="en-US"/>
               <a:t>Fourth level</a:t>
             </a:r>
+            <a:endParaRPr lang="en-US"/>
           </a:p>
           <a:p>
             <a:pPr lvl="4"/>
@@ -5967,7 +6001,6 @@
           <a:p>
             <a:fld id="{33E8DCB2-3C86-4671-9450-C782F1601F56}" type="datetime1">
               <a:rPr lang="en-US" smtClean="0"/>
-              <a:t>27/04/2018</a:t>
             </a:fld>
             <a:endParaRPr lang="en-US"/>
           </a:p>
@@ -6041,7 +6074,6 @@
           <a:p>
             <a:fld id="{6BB9AED3-D2BB-49A3-B8E7-A4A64ED2F011}" type="slidenum">
               <a:rPr lang="en-US" smtClean="0"/>
-              <a:t>‹#›</a:t>
             </a:fld>
             <a:endParaRPr lang="en-US"/>
           </a:p>
@@ -6447,6 +6479,20 @@
               </a:rPr>
               <a:t>MÔ HÌNH WATERFALL</a:t>
             </a:r>
+            <a:endParaRPr lang="en-US" sz="5000" b="1" dirty="0">
+              <a:solidFill>
+                <a:srgbClr val="0000FF"/>
+              </a:solidFill>
+              <a:effectLst>
+                <a:outerShdw blurRad="38100" dist="38100" dir="2700000" algn="tl">
+                  <a:srgbClr val="000000">
+                    <a:alpha val="43137"/>
+                  </a:srgbClr>
+                </a:outerShdw>
+              </a:effectLst>
+              <a:latin typeface="Times New Roman" panose="02020603050405020304" pitchFamily="18" charset="0"/>
+              <a:cs typeface="Times New Roman" panose="02020603050405020304" pitchFamily="18" charset="0"/>
+            </a:endParaRPr>
           </a:p>
         </p:txBody>
       </p:sp>
@@ -6556,6 +6602,10 @@
               </a:rPr>
               <a:t> – SE104.I23</a:t>
             </a:r>
+            <a:endParaRPr lang="en-US" sz="2000" dirty="0">
+              <a:latin typeface="Times New Roman" panose="02020603050405020304" pitchFamily="18" charset="0"/>
+              <a:cs typeface="Times New Roman" panose="02020603050405020304" pitchFamily="18" charset="0"/>
+            </a:endParaRPr>
           </a:p>
           <a:p>
             <a:r>
@@ -6779,6 +6829,10 @@
               </a:rPr>
               <a:t>:</a:t>
             </a:r>
+            <a:endParaRPr lang="en-US" sz="2500" dirty="0">
+              <a:latin typeface="Times New Roman" panose="02020603050405020304" pitchFamily="18" charset="0"/>
+              <a:cs typeface="Times New Roman" panose="02020603050405020304" pitchFamily="18" charset="0"/>
+            </a:endParaRPr>
           </a:p>
           <a:p>
             <a:r>
@@ -6816,6 +6870,10 @@
               </a:rPr>
               <a:t> – 16520415 (L)</a:t>
             </a:r>
+            <a:endParaRPr lang="en-US" sz="2500" dirty="0">
+              <a:latin typeface="Times New Roman" panose="02020603050405020304" pitchFamily="18" charset="0"/>
+              <a:cs typeface="Times New Roman" panose="02020603050405020304" pitchFamily="18" charset="0"/>
+            </a:endParaRPr>
           </a:p>
           <a:p>
             <a:r>
@@ -6867,6 +6925,10 @@
               </a:rPr>
               <a:t> - 16521140</a:t>
             </a:r>
+            <a:endParaRPr lang="en-US" sz="2500" dirty="0">
+              <a:latin typeface="Times New Roman" panose="02020603050405020304" pitchFamily="18" charset="0"/>
+              <a:cs typeface="Times New Roman" panose="02020603050405020304" pitchFamily="18" charset="0"/>
+            </a:endParaRPr>
           </a:p>
           <a:p>
             <a:r>
@@ -6918,6 +6980,10 @@
               </a:rPr>
               <a:t> - 16521485</a:t>
             </a:r>
+            <a:endParaRPr lang="en-US" sz="2500" dirty="0">
+              <a:latin typeface="Times New Roman" panose="02020603050405020304" pitchFamily="18" charset="0"/>
+              <a:cs typeface="Times New Roman" panose="02020603050405020304" pitchFamily="18" charset="0"/>
+            </a:endParaRPr>
           </a:p>
           <a:p>
             <a:r>
@@ -6983,6 +7049,10 @@
               </a:rPr>
               <a:t> - 16521275</a:t>
             </a:r>
+            <a:endParaRPr lang="en-US" sz="2500" dirty="0">
+              <a:latin typeface="Times New Roman" panose="02020603050405020304" pitchFamily="18" charset="0"/>
+              <a:cs typeface="Times New Roman" panose="02020603050405020304" pitchFamily="18" charset="0"/>
+            </a:endParaRPr>
           </a:p>
           <a:p>
             <a:endParaRPr lang="en-US" dirty="0"/>
@@ -6998,7 +7068,7 @@
           <p:nvPr/>
         </p:nvPicPr>
         <p:blipFill>
-          <a:blip r:embed="rId2">
+          <a:blip r:embed="rId1">
             <a:extLst>
               <a:ext uri="{28A0092B-C50C-407E-A947-70E740481C1C}">
                 <a14:useLocalDpi xmlns:a14="http://schemas.microsoft.com/office/drawing/2010/main" val="0"/>
@@ -7463,6 +7533,14 @@
               </a:rPr>
               <a:t>:</a:t>
             </a:r>
+            <a:endParaRPr lang="en-US" sz="3000" b="1" dirty="0">
+              <a:solidFill>
+                <a:srgbClr val="00B0F0"/>
+              </a:solidFill>
+              <a:latin typeface="Times New Roman" panose="02020603050405020304" pitchFamily="18" charset="0"/>
+              <a:ea typeface="Tahoma" panose="020B0604030504040204" pitchFamily="34" charset="0"/>
+              <a:cs typeface="Tahoma" panose="020B0604030504040204" pitchFamily="34" charset="0"/>
+            </a:endParaRPr>
           </a:p>
         </p:txBody>
       </p:sp>
@@ -7475,7 +7553,7 @@
           <p:nvPr/>
         </p:nvPicPr>
         <p:blipFill>
-          <a:blip r:embed="rId2"/>
+          <a:blip r:embed="rId1"/>
           <a:stretch>
             <a:fillRect/>
           </a:stretch>
@@ -7664,6 +7742,11 @@
               </a:rPr>
               <a:t>.</a:t>
             </a:r>
+            <a:endParaRPr lang="en-US" sz="2500" dirty="0">
+              <a:latin typeface="Times New Roman" panose="02020603050405020304" pitchFamily="18" charset="0"/>
+              <a:ea typeface="Tahoma" panose="020B0604030504040204" pitchFamily="34" charset="0"/>
+              <a:cs typeface="Tahoma" panose="020B0604030504040204" pitchFamily="34" charset="0"/>
+            </a:endParaRPr>
           </a:p>
           <a:p>
             <a:pPr marL="285750" lvl="0" indent="-285750">
@@ -8038,6 +8121,11 @@
               </a:rPr>
               <a:t>.</a:t>
             </a:r>
+            <a:endParaRPr lang="en-US" sz="2500" dirty="0">
+              <a:latin typeface="Times New Roman" panose="02020603050405020304" pitchFamily="18" charset="0"/>
+              <a:ea typeface="Tahoma" panose="020B0604030504040204" pitchFamily="34" charset="0"/>
+              <a:cs typeface="Tahoma" panose="020B0604030504040204" pitchFamily="34" charset="0"/>
+            </a:endParaRPr>
           </a:p>
           <a:p>
             <a:pPr marL="285750" lvl="0" indent="-285750">
@@ -8464,7 +8552,6 @@
           <a:p>
             <a:fld id="{6BB9AED3-D2BB-49A3-B8E7-A4A64ED2F011}" type="slidenum">
               <a:rPr lang="en-US" smtClean="0"/>
-              <a:t>10</a:t>
             </a:fld>
             <a:endParaRPr lang="en-US"/>
           </a:p>
@@ -8475,13 +8562,13 @@
   <p:clrMapOvr>
     <a:masterClrMapping/>
   </p:clrMapOvr>
-  <mc:AlternateContent xmlns:mc="http://schemas.openxmlformats.org/markup-compatibility/2006" xmlns:p15="http://schemas.microsoft.com/office/powerpoint/2012/main">
-    <mc:Choice Requires="p15">
-      <p:transition xmlns:p14="http://schemas.microsoft.com/office/powerpoint/2010/main" spd="slow" p14:dur="2000">
+  <mc:AlternateContent xmlns:mc="http://schemas.openxmlformats.org/markup-compatibility/2006">
+    <mc:Choice xmlns:p15="http://schemas.microsoft.com/office/powerpoint/2012/main" Requires="p15">
+      <p:transition xmlns:p14="http://schemas.microsoft.com/office/powerpoint/2010/main" spd="slow" Requires="p14" p14:dur="2000">
         <p15:prstTrans prst="prestige"/>
       </p:transition>
     </mc:Choice>
-    <mc:Fallback xmlns="">
+    <mc:Fallback>
       <p:transition spd="slow">
         <p:fade/>
       </p:transition>
@@ -8944,7 +9031,7 @@
           <p:nvPr/>
         </p:nvPicPr>
         <p:blipFill>
-          <a:blip r:embed="rId2"/>
+          <a:blip r:embed="rId1"/>
           <a:stretch>
             <a:fillRect/>
           </a:stretch>
@@ -9149,7 +9236,6 @@
           <a:p>
             <a:fld id="{6BB9AED3-D2BB-49A3-B8E7-A4A64ED2F011}" type="slidenum">
               <a:rPr lang="en-US" smtClean="0"/>
-              <a:t>11</a:t>
             </a:fld>
             <a:endParaRPr lang="en-US"/>
           </a:p>
@@ -9160,13 +9246,13 @@
   <p:clrMapOvr>
     <a:masterClrMapping/>
   </p:clrMapOvr>
-  <mc:AlternateContent xmlns:mc="http://schemas.openxmlformats.org/markup-compatibility/2006" xmlns:p15="http://schemas.microsoft.com/office/powerpoint/2012/main">
-    <mc:Choice Requires="p15">
-      <p:transition xmlns:p14="http://schemas.microsoft.com/office/powerpoint/2010/main" spd="slow" p14:dur="2000">
+  <mc:AlternateContent xmlns:mc="http://schemas.openxmlformats.org/markup-compatibility/2006">
+    <mc:Choice xmlns:p15="http://schemas.microsoft.com/office/powerpoint/2012/main" Requires="p15">
+      <p:transition xmlns:p14="http://schemas.microsoft.com/office/powerpoint/2010/main" spd="slow" Requires="p14" p14:dur="2000">
         <p15:prstTrans prst="prestige"/>
       </p:transition>
     </mc:Choice>
-    <mc:Fallback xmlns="">
+    <mc:Fallback>
       <p:transition spd="slow">
         <p:fade/>
       </p:transition>
@@ -9463,6 +9549,11 @@
               </a:rPr>
               <a:t>:</a:t>
             </a:r>
+            <a:endParaRPr lang="en-US" sz="2500" dirty="0">
+              <a:latin typeface="Tahoma" panose="020B0604030504040204" pitchFamily="34" charset="0"/>
+              <a:ea typeface="Tahoma" panose="020B0604030504040204" pitchFamily="34" charset="0"/>
+              <a:cs typeface="Tahoma" panose="020B0604030504040204" pitchFamily="34" charset="0"/>
+            </a:endParaRPr>
           </a:p>
         </p:txBody>
       </p:sp>
@@ -9475,7 +9566,7 @@
           <p:nvPr/>
         </p:nvPicPr>
         <p:blipFill>
-          <a:blip r:embed="rId2"/>
+          <a:blip r:embed="rId1"/>
           <a:stretch>
             <a:fillRect/>
           </a:stretch>
@@ -9507,7 +9598,6 @@
           <a:p>
             <a:fld id="{6BB9AED3-D2BB-49A3-B8E7-A4A64ED2F011}" type="slidenum">
               <a:rPr lang="en-US" smtClean="0"/>
-              <a:t>12</a:t>
             </a:fld>
             <a:endParaRPr lang="en-US"/>
           </a:p>
@@ -9518,13 +9608,13 @@
   <p:clrMapOvr>
     <a:masterClrMapping/>
   </p:clrMapOvr>
-  <mc:AlternateContent xmlns:mc="http://schemas.openxmlformats.org/markup-compatibility/2006" xmlns:p15="http://schemas.microsoft.com/office/powerpoint/2012/main">
-    <mc:Choice Requires="p15">
-      <p:transition xmlns:p14="http://schemas.microsoft.com/office/powerpoint/2010/main" spd="slow" p14:dur="2000">
+  <mc:AlternateContent xmlns:mc="http://schemas.openxmlformats.org/markup-compatibility/2006">
+    <mc:Choice xmlns:p15="http://schemas.microsoft.com/office/powerpoint/2012/main" Requires="p15">
+      <p:transition xmlns:p14="http://schemas.microsoft.com/office/powerpoint/2010/main" spd="slow" Requires="p14" p14:dur="2000">
         <p15:prstTrans prst="prestige"/>
       </p:transition>
     </mc:Choice>
-    <mc:Fallback xmlns="">
+    <mc:Fallback>
       <p:transition spd="slow">
         <p:fade/>
       </p:transition>
@@ -9957,20 +10047,8 @@
                 <a:tableStyleId>{5C22544A-7EE6-4342-B048-85BDC9FD1C3A}</a:tableStyleId>
               </a:tblPr>
               <a:tblGrid>
-                <a:gridCol w="4805680">
-                  <a:extLst>
-                    <a:ext uri="{9D8B030D-6E8A-4147-A177-3AD203B41FA5}">
-                      <a16:colId xmlns:a16="http://schemas.microsoft.com/office/drawing/2014/main" val="20000"/>
-                    </a:ext>
-                  </a:extLst>
-                </a:gridCol>
-                <a:gridCol w="4805680">
-                  <a:extLst>
-                    <a:ext uri="{9D8B030D-6E8A-4147-A177-3AD203B41FA5}">
-                      <a16:colId xmlns:a16="http://schemas.microsoft.com/office/drawing/2014/main" val="20001"/>
-                    </a:ext>
-                  </a:extLst>
-                </a:gridCol>
+                <a:gridCol w="4805680"/>
+                <a:gridCol w="4805680"/>
               </a:tblGrid>
               <a:tr h="551815">
                 <a:tc>
@@ -9990,6 +10068,14 @@
                         </a:rPr>
                         <a:t>WATERFALL</a:t>
                       </a:r>
+                      <a:endParaRPr lang="en-US" sz="2500" b="1" dirty="0">
+                        <a:solidFill>
+                          <a:schemeClr val="bg1"/>
+                        </a:solidFill>
+                        <a:latin typeface="Times New Roman" panose="02020603050405020304" pitchFamily="18" charset="0"/>
+                        <a:ea typeface="Tahoma" panose="020B0604030504040204" pitchFamily="34" charset="0"/>
+                        <a:cs typeface="Tahoma" panose="020B0604030504040204" pitchFamily="34" charset="0"/>
+                      </a:endParaRPr>
                     </a:p>
                   </a:txBody>
                   <a:tcPr/>
@@ -10023,11 +10109,6 @@
                   </a:txBody>
                   <a:tcPr/>
                 </a:tc>
-                <a:extLst>
-                  <a:ext uri="{0D108BD9-81ED-4DB2-BD59-A6C34878D82A}">
-                    <a16:rowId xmlns:a16="http://schemas.microsoft.com/office/drawing/2014/main" val="10000"/>
-                  </a:ext>
-                </a:extLst>
               </a:tr>
               <a:tr h="3245485">
                 <a:tc>
@@ -10219,6 +10300,15 @@
                         </a:rPr>
                         <a:t> </a:t>
                       </a:r>
+                      <a:endParaRPr lang="en-GB" sz="2500" b="0" kern="1200" dirty="0">
+                        <a:solidFill>
+                          <a:schemeClr val="dk1"/>
+                        </a:solidFill>
+                        <a:effectLst/>
+                        <a:latin typeface="Times New Roman" panose="02020603050405020304" pitchFamily="18" charset="0"/>
+                        <a:ea typeface="Tahoma" panose="020B0604030504040204" pitchFamily="34" charset="0"/>
+                        <a:cs typeface="Tahoma" panose="020B0604030504040204" pitchFamily="34" charset="0"/>
+                      </a:endParaRPr>
                     </a:p>
                     <a:p>
                       <a:pPr marL="285750" marR="0" lvl="0" indent="-285750" algn="l" defTabSz="914400" rtl="0" eaLnBrk="1" fontAlgn="auto" latinLnBrk="0" hangingPunct="1">
@@ -10357,6 +10447,15 @@
                         </a:rPr>
                         <a:t>.</a:t>
                       </a:r>
+                      <a:endParaRPr lang="en-GB" sz="2500" b="0" kern="1200" dirty="0">
+                        <a:solidFill>
+                          <a:schemeClr val="dk1"/>
+                        </a:solidFill>
+                        <a:effectLst/>
+                        <a:latin typeface="Times New Roman" panose="02020603050405020304" pitchFamily="18" charset="0"/>
+                        <a:ea typeface="Tahoma" panose="020B0604030504040204" pitchFamily="34" charset="0"/>
+                        <a:cs typeface="Tahoma" panose="020B0604030504040204" pitchFamily="34" charset="0"/>
+                      </a:endParaRPr>
                     </a:p>
                     <a:p>
                       <a:pPr marL="285750" marR="0" lvl="0" indent="-285750" algn="l" defTabSz="914400" rtl="0" eaLnBrk="1" fontAlgn="auto" latinLnBrk="0" hangingPunct="1">
@@ -10495,6 +10594,15 @@
                         </a:rPr>
                         <a:t>.</a:t>
                       </a:r>
+                      <a:endParaRPr lang="en-GB" sz="2500" b="0" kern="1200" dirty="0">
+                        <a:solidFill>
+                          <a:schemeClr val="dk1"/>
+                        </a:solidFill>
+                        <a:effectLst/>
+                        <a:latin typeface="Times New Roman" panose="02020603050405020304" pitchFamily="18" charset="0"/>
+                        <a:ea typeface="Tahoma" panose="020B0604030504040204" pitchFamily="34" charset="0"/>
+                        <a:cs typeface="Tahoma" panose="020B0604030504040204" pitchFamily="34" charset="0"/>
+                      </a:endParaRPr>
                     </a:p>
                     <a:p>
                       <a:pPr marL="285750" indent="-285750">
@@ -10573,6 +10681,15 @@
                         </a:rPr>
                         <a:t>.</a:t>
                       </a:r>
+                      <a:endParaRPr lang="en-GB" sz="2500" b="0" kern="1200" dirty="0">
+                        <a:solidFill>
+                          <a:schemeClr val="dk1"/>
+                        </a:solidFill>
+                        <a:effectLst/>
+                        <a:latin typeface="Times New Roman" panose="02020603050405020304" pitchFamily="18" charset="0"/>
+                        <a:ea typeface="Tahoma" panose="020B0604030504040204" pitchFamily="34" charset="0"/>
+                        <a:cs typeface="Tahoma" panose="020B0604030504040204" pitchFamily="34" charset="0"/>
+                      </a:endParaRPr>
                     </a:p>
                     <a:p>
                       <a:pPr marL="285750" indent="-285750">
@@ -11008,6 +11125,15 @@
                         </a:rPr>
                         <a:t>.</a:t>
                       </a:r>
+                      <a:endParaRPr lang="en-GB" sz="2500" b="0" kern="1200" dirty="0">
+                        <a:solidFill>
+                          <a:schemeClr val="dk1"/>
+                        </a:solidFill>
+                        <a:effectLst/>
+                        <a:latin typeface="Times New Roman" panose="02020603050405020304" pitchFamily="18" charset="0"/>
+                        <a:ea typeface="Tahoma" panose="020B0604030504040204" pitchFamily="34" charset="0"/>
+                        <a:cs typeface="Tahoma" panose="020B0604030504040204" pitchFamily="34" charset="0"/>
+                      </a:endParaRPr>
                     </a:p>
                     <a:p>
                       <a:pPr marL="285750" indent="-285750">
@@ -11134,6 +11260,15 @@
                         </a:rPr>
                         <a:t>.</a:t>
                       </a:r>
+                      <a:endParaRPr lang="en-GB" sz="2500" b="0" kern="1200" dirty="0">
+                        <a:solidFill>
+                          <a:schemeClr val="dk1"/>
+                        </a:solidFill>
+                        <a:effectLst/>
+                        <a:latin typeface="Times New Roman" panose="02020603050405020304" pitchFamily="18" charset="0"/>
+                        <a:ea typeface="Tahoma" panose="020B0604030504040204" pitchFamily="34" charset="0"/>
+                        <a:cs typeface="Tahoma" panose="020B0604030504040204" pitchFamily="34" charset="0"/>
+                      </a:endParaRPr>
                     </a:p>
                     <a:p>
                       <a:pPr marL="285750" indent="-285750">
@@ -11236,6 +11371,15 @@
                         </a:rPr>
                         <a:t>.</a:t>
                       </a:r>
+                      <a:endParaRPr lang="en-GB" sz="2500" b="0" kern="1200" dirty="0">
+                        <a:solidFill>
+                          <a:schemeClr val="dk1"/>
+                        </a:solidFill>
+                        <a:effectLst/>
+                        <a:latin typeface="Times New Roman" panose="02020603050405020304" pitchFamily="18" charset="0"/>
+                        <a:ea typeface="Tahoma" panose="020B0604030504040204" pitchFamily="34" charset="0"/>
+                        <a:cs typeface="Tahoma" panose="020B0604030504040204" pitchFamily="34" charset="0"/>
+                      </a:endParaRPr>
                     </a:p>
                     <a:p>
                       <a:pPr marL="285750" indent="-285750">
@@ -11707,11 +11851,6 @@
                   </a:txBody>
                   <a:tcPr/>
                 </a:tc>
-                <a:extLst>
-                  <a:ext uri="{0D108BD9-81ED-4DB2-BD59-A6C34878D82A}">
-                    <a16:rowId xmlns:a16="http://schemas.microsoft.com/office/drawing/2014/main" val="10001"/>
-                  </a:ext>
-                </a:extLst>
               </a:tr>
             </a:tbl>
           </a:graphicData>
@@ -11734,7 +11873,6 @@
           <a:p>
             <a:fld id="{6BB9AED3-D2BB-49A3-B8E7-A4A64ED2F011}" type="slidenum">
               <a:rPr lang="en-US" smtClean="0"/>
-              <a:t>13</a:t>
             </a:fld>
             <a:endParaRPr lang="en-US"/>
           </a:p>
@@ -11745,13 +11883,13 @@
   <p:clrMapOvr>
     <a:masterClrMapping/>
   </p:clrMapOvr>
-  <mc:AlternateContent xmlns:mc="http://schemas.openxmlformats.org/markup-compatibility/2006" xmlns:p15="http://schemas.microsoft.com/office/powerpoint/2012/main">
-    <mc:Choice Requires="p15">
-      <p:transition xmlns:p14="http://schemas.microsoft.com/office/powerpoint/2010/main" spd="slow" p14:dur="2000">
+  <mc:AlternateContent xmlns:mc="http://schemas.openxmlformats.org/markup-compatibility/2006">
+    <mc:Choice xmlns:p15="http://schemas.microsoft.com/office/powerpoint/2012/main" Requires="p15">
+      <p:transition xmlns:p14="http://schemas.microsoft.com/office/powerpoint/2010/main" spd="slow" Requires="p14" p14:dur="2000">
         <p15:prstTrans prst="prestige"/>
       </p:transition>
     </mc:Choice>
-    <mc:Fallback xmlns="">
+    <mc:Fallback>
       <p:transition spd="slow">
         <p:fade/>
       </p:transition>
@@ -12161,13 +12299,7 @@
       </p:grpSpPr>
       <p:sp>
         <p:nvSpPr>
-          <p:cNvPr id="4" name="Slide Number Placeholder 3">
-            <a:extLst>
-              <a:ext uri="{FF2B5EF4-FFF2-40B4-BE49-F238E27FC236}">
-                <a16:creationId xmlns:a16="http://schemas.microsoft.com/office/drawing/2014/main" id="{8EBC6D6B-A638-4445-973E-C57DA4B2537A}"/>
-              </a:ext>
-            </a:extLst>
-          </p:cNvPr>
+          <p:cNvPr id="4" name="Slide Number Placeholder 3"/>
           <p:cNvSpPr>
             <a:spLocks noGrp="1"/>
           </p:cNvSpPr>
@@ -12182,7 +12314,6 @@
           <a:p>
             <a:fld id="{6BB9AED3-D2BB-49A3-B8E7-A4A64ED2F011}" type="slidenum">
               <a:rPr lang="en-US" smtClean="0"/>
-              <a:t>14</a:t>
             </a:fld>
             <a:endParaRPr lang="en-US"/>
           </a:p>
@@ -12190,13 +12321,7 @@
       </p:sp>
       <p:sp>
         <p:nvSpPr>
-          <p:cNvPr id="5" name="TextBox 4">
-            <a:extLst>
-              <a:ext uri="{FF2B5EF4-FFF2-40B4-BE49-F238E27FC236}">
-                <a16:creationId xmlns:a16="http://schemas.microsoft.com/office/drawing/2014/main" id="{6ED6D584-89F9-468F-9FF8-4F029ED2FFFF}"/>
-              </a:ext>
-            </a:extLst>
-          </p:cNvPr>
+          <p:cNvPr id="5" name="TextBox 4"/>
           <p:cNvSpPr txBox="1"/>
           <p:nvPr/>
         </p:nvSpPr>
@@ -12481,25 +12606,27 @@
               </a:rPr>
               <a:t>!</a:t>
             </a:r>
+            <a:endParaRPr lang="en-US" sz="3500" b="1" dirty="0">
+              <a:solidFill>
+                <a:srgbClr val="FF0066"/>
+              </a:solidFill>
+              <a:latin typeface="Times New Roman" panose="02020603050405020304" pitchFamily="18" charset="0"/>
+              <a:ea typeface="Tahoma" panose="020B0604030504040204" pitchFamily="34" charset="0"/>
+              <a:cs typeface="Tahoma" panose="020B0604030504040204" pitchFamily="34" charset="0"/>
+            </a:endParaRPr>
           </a:p>
         </p:txBody>
       </p:sp>
       <p:pic>
         <p:nvPicPr>
-          <p:cNvPr id="6" name="Picture 5">
-            <a:extLst>
-              <a:ext uri="{FF2B5EF4-FFF2-40B4-BE49-F238E27FC236}">
-                <a16:creationId xmlns:a16="http://schemas.microsoft.com/office/drawing/2014/main" id="{556F2B37-84A1-42D6-9AE4-A225201C9C3C}"/>
-              </a:ext>
-            </a:extLst>
-          </p:cNvPr>
+          <p:cNvPr id="6" name="Picture 5"/>
           <p:cNvPicPr>
             <a:picLocks noChangeAspect="1"/>
           </p:cNvPicPr>
           <p:nvPr/>
         </p:nvPicPr>
         <p:blipFill>
-          <a:blip r:embed="rId2">
+          <a:blip r:embed="rId1">
             <a:extLst>
               <a:ext uri="{28A0092B-C50C-407E-A947-70E740481C1C}">
                 <a14:useLocalDpi xmlns:a14="http://schemas.microsoft.com/office/drawing/2010/main" val="0"/>
@@ -12521,11 +12648,6 @@
         </p:spPr>
       </p:pic>
     </p:spTree>
-    <p:extLst>
-      <p:ext uri="{BB962C8B-B14F-4D97-AF65-F5344CB8AC3E}">
-        <p14:creationId xmlns:p14="http://schemas.microsoft.com/office/powerpoint/2010/main" val="710011598"/>
-      </p:ext>
-    </p:extLst>
   </p:cSld>
   <p:clrMapOvr>
     <a:masterClrMapping/>
@@ -12758,6 +12880,11 @@
               </a:rPr>
               <a:t>TỔNG QUAN VỀ QUY TRÌNH PHÁT TRIỂN PHẦN MỀM.</a:t>
             </a:r>
+            <a:endParaRPr lang="en-US" sz="2500" dirty="0">
+              <a:latin typeface="Times New Roman" panose="02020603050405020304" pitchFamily="18" charset="0"/>
+              <a:ea typeface="Tahoma" panose="020B0604030504040204" pitchFamily="34" charset="0"/>
+              <a:cs typeface="Tahoma" panose="020B0604030504040204" pitchFamily="34" charset="0"/>
+            </a:endParaRPr>
           </a:p>
           <a:p>
             <a:r>
@@ -12776,6 +12903,11 @@
               </a:rPr>
               <a:t>KHÁI NIỆM.</a:t>
             </a:r>
+            <a:endParaRPr lang="en-US" sz="2500" dirty="0">
+              <a:latin typeface="Times New Roman" panose="02020603050405020304" pitchFamily="18" charset="0"/>
+              <a:ea typeface="Tahoma" panose="020B0604030504040204" pitchFamily="34" charset="0"/>
+              <a:cs typeface="Tahoma" panose="020B0604030504040204" pitchFamily="34" charset="0"/>
+            </a:endParaRPr>
           </a:p>
           <a:p>
             <a:r>
@@ -12794,6 +12926,11 @@
               </a:rPr>
               <a:t>CÁC PHA THỰC HIỆN.</a:t>
             </a:r>
+            <a:endParaRPr lang="en-US" sz="2500" dirty="0">
+              <a:latin typeface="Times New Roman" panose="02020603050405020304" pitchFamily="18" charset="0"/>
+              <a:ea typeface="Tahoma" panose="020B0604030504040204" pitchFamily="34" charset="0"/>
+              <a:cs typeface="Tahoma" panose="020B0604030504040204" pitchFamily="34" charset="0"/>
+            </a:endParaRPr>
           </a:p>
           <a:p>
             <a:r>
@@ -12836,6 +12973,11 @@
               </a:rPr>
               <a:t>ỢC ĐIỂM CỦA WATERFALL.</a:t>
             </a:r>
+            <a:endParaRPr lang="en-US" sz="2500" dirty="0">
+              <a:latin typeface="Times New Roman" panose="02020603050405020304" pitchFamily="18" charset="0"/>
+              <a:ea typeface="Tahoma" panose="020B0604030504040204" pitchFamily="34" charset="0"/>
+              <a:cs typeface="Tahoma" panose="020B0604030504040204" pitchFamily="34" charset="0"/>
+            </a:endParaRPr>
           </a:p>
           <a:p>
             <a:r>
@@ -12885,7 +13027,7 @@
           <p:nvPr/>
         </p:nvPicPr>
         <p:blipFill>
-          <a:blip r:embed="rId2" cstate="print">
+          <a:blip r:embed="rId1" cstate="print">
             <a:extLst>
               <a:ext uri="{28A0092B-C50C-407E-A947-70E740481C1C}">
                 <a14:useLocalDpi xmlns:a14="http://schemas.microsoft.com/office/drawing/2010/main" val="0"/>
@@ -12923,7 +13065,6 @@
           <a:p>
             <a:fld id="{6BB9AED3-D2BB-49A3-B8E7-A4A64ED2F011}" type="slidenum">
               <a:rPr lang="en-US" smtClean="0"/>
-              <a:t>2</a:t>
             </a:fld>
             <a:endParaRPr lang="en-US"/>
           </a:p>
@@ -13342,6 +13483,12 @@
               </a:rPr>
               <a:t>TỔNG QUAN VỀ QUY TRÌNH PHÁT TRIỂN PHẦN MỀM:</a:t>
             </a:r>
+            <a:endParaRPr lang="en-US" sz="3500" b="1" dirty="0">
+              <a:solidFill>
+                <a:srgbClr val="0000FF"/>
+              </a:solidFill>
+              <a:latin typeface="Times New Roman" panose="02020603050405020304" pitchFamily="18" charset="0"/>
+            </a:endParaRPr>
           </a:p>
           <a:p>
             <a:endParaRPr lang="en-US" sz="3500" b="1" dirty="0">
@@ -14518,6 +14665,11 @@
               </a:rPr>
               <a:t>.</a:t>
             </a:r>
+            <a:endParaRPr lang="en-GB" sz="2500" dirty="0">
+              <a:latin typeface="Times New Roman" panose="02020603050405020304" pitchFamily="18" charset="0"/>
+              <a:ea typeface="Tahoma" panose="020B0604030504040204" pitchFamily="34" charset="0"/>
+              <a:cs typeface="Times New Roman" panose="02020603050405020304" pitchFamily="18" charset="0"/>
+            </a:endParaRPr>
           </a:p>
           <a:p>
             <a:pPr marL="742950" lvl="1" indent="-285750">
@@ -14588,6 +14740,11 @@
               </a:rPr>
               <a:t>.</a:t>
             </a:r>
+            <a:endParaRPr lang="en-GB" sz="2500" dirty="0">
+              <a:latin typeface="Times New Roman" panose="02020603050405020304" pitchFamily="18" charset="0"/>
+              <a:ea typeface="Tahoma" panose="020B0604030504040204" pitchFamily="34" charset="0"/>
+              <a:cs typeface="Times New Roman" panose="02020603050405020304" pitchFamily="18" charset="0"/>
+            </a:endParaRPr>
           </a:p>
           <a:p>
             <a:pPr marL="742950" lvl="1" indent="-285750">
@@ -14658,6 +14815,11 @@
               </a:rPr>
               <a:t>.</a:t>
             </a:r>
+            <a:endParaRPr lang="en-GB" sz="2500" dirty="0">
+              <a:latin typeface="Times New Roman" panose="02020603050405020304" pitchFamily="18" charset="0"/>
+              <a:ea typeface="Tahoma" panose="020B0604030504040204" pitchFamily="34" charset="0"/>
+              <a:cs typeface="Times New Roman" panose="02020603050405020304" pitchFamily="18" charset="0"/>
+            </a:endParaRPr>
           </a:p>
           <a:p>
             <a:pPr marL="742950" lvl="1" indent="-285750">
@@ -14753,7 +14915,6 @@
           <a:p>
             <a:fld id="{6BB9AED3-D2BB-49A3-B8E7-A4A64ED2F011}" type="slidenum">
               <a:rPr lang="en-US" smtClean="0"/>
-              <a:t>3</a:t>
             </a:fld>
             <a:endParaRPr lang="en-US"/>
           </a:p>
@@ -15054,13 +15215,7 @@
       </p:grpSpPr>
       <p:sp>
         <p:nvSpPr>
-          <p:cNvPr id="4" name="Slide Number Placeholder 3">
-            <a:extLst>
-              <a:ext uri="{FF2B5EF4-FFF2-40B4-BE49-F238E27FC236}">
-                <a16:creationId xmlns:a16="http://schemas.microsoft.com/office/drawing/2014/main" id="{A5DCD66F-4087-4776-AFCC-8A983B76D6B7}"/>
-              </a:ext>
-            </a:extLst>
-          </p:cNvPr>
+          <p:cNvPr id="4" name="Slide Number Placeholder 3"/>
           <p:cNvSpPr>
             <a:spLocks noGrp="1"/>
           </p:cNvSpPr>
@@ -15075,7 +15230,6 @@
           <a:p>
             <a:fld id="{6BB9AED3-D2BB-49A3-B8E7-A4A64ED2F011}" type="slidenum">
               <a:rPr lang="en-US" smtClean="0"/>
-              <a:t>4</a:t>
             </a:fld>
             <a:endParaRPr lang="en-US"/>
           </a:p>
@@ -15083,13 +15237,7 @@
       </p:sp>
       <p:sp>
         <p:nvSpPr>
-          <p:cNvPr id="5" name="Text Box 6">
-            <a:extLst>
-              <a:ext uri="{FF2B5EF4-FFF2-40B4-BE49-F238E27FC236}">
-                <a16:creationId xmlns:a16="http://schemas.microsoft.com/office/drawing/2014/main" id="{FEA03CC9-CD45-4852-AC6B-A9AAFC52EF0B}"/>
-              </a:ext>
-            </a:extLst>
-          </p:cNvPr>
+          <p:cNvPr id="5" name="Text Box 6"/>
           <p:cNvSpPr txBox="1"/>
           <p:nvPr/>
         </p:nvSpPr>
@@ -15296,18 +15444,20 @@
               </a:rPr>
               <a:t>:</a:t>
             </a:r>
+            <a:endParaRPr lang="en-US" sz="3000" b="1" dirty="0">
+              <a:solidFill>
+                <a:srgbClr val="00B0F0"/>
+              </a:solidFill>
+              <a:latin typeface="Times New Roman" panose="02020603050405020304" pitchFamily="18" charset="0"/>
+              <a:ea typeface="Tahoma" panose="020B0604030504040204" pitchFamily="34" charset="0"/>
+              <a:cs typeface="Times New Roman" panose="02020603050405020304" pitchFamily="18" charset="0"/>
+            </a:endParaRPr>
           </a:p>
         </p:txBody>
       </p:sp>
       <p:sp>
         <p:nvSpPr>
-          <p:cNvPr id="6" name="TextBox 5">
-            <a:extLst>
-              <a:ext uri="{FF2B5EF4-FFF2-40B4-BE49-F238E27FC236}">
-                <a16:creationId xmlns:a16="http://schemas.microsoft.com/office/drawing/2014/main" id="{E9E53A9A-F83A-4698-806A-4700DC0A7FFF}"/>
-              </a:ext>
-            </a:extLst>
-          </p:cNvPr>
+          <p:cNvPr id="6" name="TextBox 5"/>
           <p:cNvSpPr txBox="1"/>
           <p:nvPr/>
         </p:nvSpPr>
@@ -15407,6 +15557,11 @@
               </a:rPr>
               <a:t>.</a:t>
             </a:r>
+            <a:endParaRPr lang="en-US" sz="2500" dirty="0">
+              <a:latin typeface="Times New Roman" panose="02020603050405020304" pitchFamily="18" charset="0"/>
+              <a:ea typeface="Tahoma" panose="020B0604030504040204" pitchFamily="34" charset="0"/>
+              <a:cs typeface="Times New Roman" panose="02020603050405020304" pitchFamily="18" charset="0"/>
+            </a:endParaRPr>
           </a:p>
           <a:p>
             <a:r>
@@ -15513,6 +15668,11 @@
               </a:rPr>
               <a:t>.</a:t>
             </a:r>
+            <a:endParaRPr lang="en-US" sz="2500" dirty="0">
+              <a:latin typeface="Times New Roman" panose="02020603050405020304" pitchFamily="18" charset="0"/>
+              <a:ea typeface="Tahoma" panose="020B0604030504040204" pitchFamily="34" charset="0"/>
+              <a:cs typeface="Times New Roman" panose="02020603050405020304" pitchFamily="18" charset="0"/>
+            </a:endParaRPr>
           </a:p>
           <a:p>
             <a:r>
@@ -15587,6 +15747,11 @@
               </a:rPr>
               <a:t>.</a:t>
             </a:r>
+            <a:endParaRPr lang="en-US" sz="2500" dirty="0">
+              <a:latin typeface="Times New Roman" panose="02020603050405020304" pitchFamily="18" charset="0"/>
+              <a:ea typeface="Tahoma" panose="020B0604030504040204" pitchFamily="34" charset="0"/>
+              <a:cs typeface="Times New Roman" panose="02020603050405020304" pitchFamily="18" charset="0"/>
+            </a:endParaRPr>
           </a:p>
           <a:p>
             <a:r>
@@ -15661,6 +15826,11 @@
               </a:rPr>
               <a:t>.</a:t>
             </a:r>
+            <a:endParaRPr lang="en-US" sz="2500" dirty="0">
+              <a:latin typeface="Times New Roman" panose="02020603050405020304" pitchFamily="18" charset="0"/>
+              <a:ea typeface="Tahoma" panose="020B0604030504040204" pitchFamily="34" charset="0"/>
+              <a:cs typeface="Times New Roman" panose="02020603050405020304" pitchFamily="18" charset="0"/>
+            </a:endParaRPr>
           </a:p>
           <a:p>
             <a:r>
@@ -15687,6 +15857,11 @@
               </a:rPr>
               <a:t>.</a:t>
             </a:r>
+            <a:endParaRPr lang="en-US" sz="2500" dirty="0">
+              <a:latin typeface="Times New Roman" panose="02020603050405020304" pitchFamily="18" charset="0"/>
+              <a:ea typeface="Tahoma" panose="020B0604030504040204" pitchFamily="34" charset="0"/>
+              <a:cs typeface="Times New Roman" panose="02020603050405020304" pitchFamily="18" charset="0"/>
+            </a:endParaRPr>
           </a:p>
           <a:p>
             <a:r>
@@ -15793,15 +15968,15 @@
               </a:rPr>
               <a:t> XP/Agile.</a:t>
             </a:r>
+            <a:endParaRPr lang="en-US" sz="2500" dirty="0">
+              <a:latin typeface="Times New Roman" panose="02020603050405020304" pitchFamily="18" charset="0"/>
+              <a:ea typeface="Tahoma" panose="020B0604030504040204" pitchFamily="34" charset="0"/>
+              <a:cs typeface="Times New Roman" panose="02020603050405020304" pitchFamily="18" charset="0"/>
+            </a:endParaRPr>
           </a:p>
         </p:txBody>
       </p:sp>
     </p:spTree>
-    <p:extLst>
-      <p:ext uri="{BB962C8B-B14F-4D97-AF65-F5344CB8AC3E}">
-        <p14:creationId xmlns:p14="http://schemas.microsoft.com/office/powerpoint/2010/main" val="3502124961"/>
-      </p:ext>
-    </p:extLst>
   </p:cSld>
   <p:clrMapOvr>
     <a:masterClrMapping/>
@@ -16062,6 +16237,14 @@
               </a:rPr>
               <a:t> NIỆM:</a:t>
             </a:r>
+            <a:endParaRPr lang="en-US" sz="3500" b="1" dirty="0">
+              <a:solidFill>
+                <a:srgbClr val="0000FF"/>
+              </a:solidFill>
+              <a:latin typeface="Times New Roman" panose="02020603050405020304" pitchFamily="18" charset="0"/>
+              <a:ea typeface="Tahoma" panose="020B0604030504040204" pitchFamily="34" charset="0"/>
+              <a:cs typeface="Tahoma" panose="020B0604030504040204" pitchFamily="34" charset="0"/>
+            </a:endParaRPr>
           </a:p>
           <a:p>
             <a:pPr marL="0" indent="0">
@@ -16203,6 +16386,11 @@
               </a:rPr>
               <a:t>.</a:t>
             </a:r>
+            <a:endParaRPr lang="en-US" sz="2500" cap="none" dirty="0">
+              <a:latin typeface="Times New Roman" panose="02020603050405020304" pitchFamily="18" charset="0"/>
+              <a:ea typeface="Tahoma" panose="020B0604030504040204" pitchFamily="34" charset="0"/>
+              <a:cs typeface="Tahoma" panose="020B0604030504040204" pitchFamily="34" charset="0"/>
+            </a:endParaRPr>
           </a:p>
           <a:p>
             <a:pPr marL="0" indent="0">
@@ -16221,39 +16409,6 @@
           </a:p>
         </p:txBody>
       </p:sp>
-      <p:pic>
-        <p:nvPicPr>
-          <p:cNvPr id="4" name="Picture 3" descr="DTH Share Mô Hình Waterfall 7 tầng"/>
-          <p:cNvPicPr/>
-          <p:nvPr/>
-        </p:nvPicPr>
-        <p:blipFill>
-          <a:blip r:embed="rId2">
-            <a:extLst>
-              <a:ext uri="{28A0092B-C50C-407E-A947-70E740481C1C}">
-                <a14:useLocalDpi xmlns:a14="http://schemas.microsoft.com/office/drawing/2010/main" val="0"/>
-              </a:ext>
-            </a:extLst>
-          </a:blip>
-          <a:srcRect/>
-          <a:stretch>
-            <a:fillRect/>
-          </a:stretch>
-        </p:blipFill>
-        <p:spPr bwMode="auto">
-          <a:xfrm>
-            <a:off x="1944260" y="2938295"/>
-            <a:ext cx="8303479" cy="3363112"/>
-          </a:xfrm>
-          <a:prstGeom prst="rect">
-            <a:avLst/>
-          </a:prstGeom>
-          <a:noFill/>
-          <a:ln>
-            <a:noFill/>
-          </a:ln>
-        </p:spPr>
-      </p:pic>
       <p:sp>
         <p:nvSpPr>
           <p:cNvPr id="7" name="Slide Number Placeholder 6"/>
@@ -16271,24 +16426,47 @@
           <a:p>
             <a:fld id="{6BB9AED3-D2BB-49A3-B8E7-A4A64ED2F011}" type="slidenum">
               <a:rPr lang="en-US" smtClean="0"/>
-              <a:t>5</a:t>
             </a:fld>
             <a:endParaRPr lang="en-US"/>
           </a:p>
         </p:txBody>
       </p:sp>
+      <p:pic>
+        <p:nvPicPr>
+          <p:cNvPr id="2" name="Picture 1" descr="waterfall"/>
+          <p:cNvPicPr>
+            <a:picLocks noChangeAspect="1"/>
+          </p:cNvPicPr>
+          <p:nvPr/>
+        </p:nvPicPr>
+        <p:blipFill>
+          <a:blip r:embed="rId1"/>
+          <a:stretch>
+            <a:fillRect/>
+          </a:stretch>
+        </p:blipFill>
+        <p:spPr>
+          <a:xfrm>
+            <a:off x="2870835" y="2795905"/>
+            <a:ext cx="6450965" cy="3307080"/>
+          </a:xfrm>
+          <a:prstGeom prst="rect">
+            <a:avLst/>
+          </a:prstGeom>
+        </p:spPr>
+      </p:pic>
     </p:spTree>
   </p:cSld>
   <p:clrMapOvr>
     <a:masterClrMapping/>
   </p:clrMapOvr>
-  <mc:AlternateContent xmlns:mc="http://schemas.openxmlformats.org/markup-compatibility/2006" xmlns:p15="http://schemas.microsoft.com/office/powerpoint/2012/main">
-    <mc:Choice Requires="p15">
-      <p:transition xmlns:p14="http://schemas.microsoft.com/office/powerpoint/2010/main" spd="slow" p14:dur="2000">
+  <mc:AlternateContent xmlns:mc="http://schemas.openxmlformats.org/markup-compatibility/2006">
+    <mc:Choice xmlns:p15="http://schemas.microsoft.com/office/powerpoint/2012/main" Requires="p15">
+      <p:transition xmlns:p14="http://schemas.microsoft.com/office/powerpoint/2010/main" spd="slow" Requires="p14" p14:dur="2000">
         <p15:prstTrans prst="prestige"/>
       </p:transition>
     </mc:Choice>
-    <mc:Fallback xmlns="">
+    <mc:Fallback>
       <p:transition spd="slow">
         <p:fade/>
       </p:transition>
@@ -16508,59 +16686,6 @@
                       </p:childTnLst>
                     </p:cTn>
                   </p:par>
-                  <p:par>
-                    <p:cTn id="15" fill="hold">
-                      <p:stCondLst>
-                        <p:cond delay="indefinite"/>
-                      </p:stCondLst>
-                      <p:childTnLst>
-                        <p:par>
-                          <p:cTn id="16" fill="hold">
-                            <p:stCondLst>
-                              <p:cond delay="0"/>
-                            </p:stCondLst>
-                            <p:childTnLst>
-                              <p:par>
-                                <p:cTn id="17" presetID="6" presetClass="entr" presetSubtype="16" fill="hold" nodeType="clickEffect">
-                                  <p:stCondLst>
-                                    <p:cond delay="0"/>
-                                  </p:stCondLst>
-                                  <p:childTnLst>
-                                    <p:set>
-                                      <p:cBhvr>
-                                        <p:cTn id="18" dur="1" fill="hold">
-                                          <p:stCondLst>
-                                            <p:cond delay="0"/>
-                                          </p:stCondLst>
-                                        </p:cTn>
-                                        <p:tgtEl>
-                                          <p:spTgt spid="4"/>
-                                        </p:tgtEl>
-                                        <p:attrNameLst>
-                                          <p:attrName>style.visibility</p:attrName>
-                                        </p:attrNameLst>
-                                      </p:cBhvr>
-                                      <p:to>
-                                        <p:strVal val="visible"/>
-                                      </p:to>
-                                    </p:set>
-                                    <p:animEffect transition="in" filter="circle(in)">
-                                      <p:cBhvr>
-                                        <p:cTn id="19" dur="2000"/>
-                                        <p:tgtEl>
-                                          <p:spTgt spid="4"/>
-                                        </p:tgtEl>
-                                      </p:cBhvr>
-                                    </p:animEffect>
-                                  </p:childTnLst>
-                                </p:cTn>
-                              </p:par>
-                            </p:childTnLst>
-                          </p:cTn>
-                        </p:par>
-                      </p:childTnLst>
-                    </p:cTn>
-                  </p:par>
                 </p:childTnLst>
               </p:cTn>
               <p:prevCondLst>
@@ -16639,8 +16764,6 @@
               </a:rPr>
               <a:t>III) CÁC PHA THỰC HIỆN:</a:t>
             </a:r>
-          </a:p>
-          <a:p>
             <a:endParaRPr lang="en-US" sz="3500" b="1" dirty="0">
               <a:solidFill>
                 <a:srgbClr val="0000FF"/>
@@ -16651,6 +16774,16 @@
             </a:endParaRPr>
           </a:p>
           <a:p>
+            <a:endParaRPr lang="en-US" sz="3500" b="1" dirty="0">
+              <a:solidFill>
+                <a:srgbClr val="0000FF"/>
+              </a:solidFill>
+              <a:latin typeface="Times New Roman" panose="02020603050405020304" pitchFamily="18" charset="0"/>
+              <a:ea typeface="Tahoma" panose="020B0604030504040204" pitchFamily="34" charset="0"/>
+              <a:cs typeface="Tahoma" panose="020B0604030504040204" pitchFamily="34" charset="0"/>
+            </a:endParaRPr>
+          </a:p>
+          <a:p>
             <a:pPr marL="342900" indent="-342900">
               <a:buAutoNum type="arabicParenR"/>
             </a:pPr>
@@ -16698,6 +16831,14 @@
               </a:rPr>
               <a:t>:</a:t>
             </a:r>
+            <a:endParaRPr lang="en-US" sz="3000" b="1" dirty="0">
+              <a:solidFill>
+                <a:schemeClr val="accent1"/>
+              </a:solidFill>
+              <a:latin typeface="Times New Roman" panose="02020603050405020304" pitchFamily="18" charset="0"/>
+              <a:ea typeface="Tahoma" panose="020B0604030504040204" pitchFamily="34" charset="0"/>
+              <a:cs typeface="Tahoma" panose="020B0604030504040204" pitchFamily="34" charset="0"/>
+            </a:endParaRPr>
           </a:p>
           <a:p>
             <a:pPr marL="285750" indent="-285750">
@@ -16880,6 +17021,11 @@
               </a:rPr>
               <a:t>.</a:t>
             </a:r>
+            <a:endParaRPr lang="en-US" dirty="0">
+              <a:latin typeface="Times New Roman" panose="02020603050405020304" pitchFamily="18" charset="0"/>
+              <a:ea typeface="Tahoma" panose="020B0604030504040204" pitchFamily="34" charset="0"/>
+              <a:cs typeface="Tahoma" panose="020B0604030504040204" pitchFamily="34" charset="0"/>
+            </a:endParaRPr>
           </a:p>
           <a:p>
             <a:pPr marL="285750" indent="-285750">
@@ -16901,7 +17047,7 @@
           <p:nvPr/>
         </p:nvPicPr>
         <p:blipFill>
-          <a:blip r:embed="rId2">
+          <a:blip r:embed="rId1">
             <a:extLst>
               <a:ext uri="{28A0092B-C50C-407E-A947-70E740481C1C}">
                 <a14:useLocalDpi xmlns:a14="http://schemas.microsoft.com/office/drawing/2010/main" val="0"/>
@@ -16999,6 +17145,14 @@
               </a:rPr>
               <a:t>:</a:t>
             </a:r>
+            <a:endParaRPr lang="en-US" sz="3000" b="1" dirty="0">
+              <a:solidFill>
+                <a:schemeClr val="accent1"/>
+              </a:solidFill>
+              <a:latin typeface="Times New Roman" panose="02020603050405020304" pitchFamily="18" charset="0"/>
+              <a:ea typeface="Tahoma" panose="020B0604030504040204" pitchFamily="34" charset="0"/>
+              <a:cs typeface="Tahoma" panose="020B0604030504040204" pitchFamily="34" charset="0"/>
+            </a:endParaRPr>
           </a:p>
           <a:p>
             <a:pPr marL="285750" indent="-285750">
@@ -17181,6 +17335,11 @@
               </a:rPr>
               <a:t>.</a:t>
             </a:r>
+            <a:endParaRPr lang="en-US" sz="2500" dirty="0">
+              <a:latin typeface="Times New Roman" panose="02020603050405020304" pitchFamily="18" charset="0"/>
+              <a:ea typeface="Tahoma" panose="020B0604030504040204" pitchFamily="34" charset="0"/>
+              <a:cs typeface="Tahoma" panose="020B0604030504040204" pitchFamily="34" charset="0"/>
+            </a:endParaRPr>
           </a:p>
           <a:p>
             <a:endParaRPr lang="en-US" dirty="0">
@@ -17198,7 +17357,7 @@
           <p:nvPr/>
         </p:nvPicPr>
         <p:blipFill>
-          <a:blip r:embed="rId3">
+          <a:blip r:embed="rId2">
             <a:extLst>
               <a:ext uri="{28A0092B-C50C-407E-A947-70E740481C1C}">
                 <a14:useLocalDpi xmlns:a14="http://schemas.microsoft.com/office/drawing/2010/main" val="0"/>
@@ -17236,7 +17395,6 @@
           <a:p>
             <a:fld id="{6BB9AED3-D2BB-49A3-B8E7-A4A64ED2F011}" type="slidenum">
               <a:rPr lang="en-US" smtClean="0"/>
-              <a:t>6</a:t>
             </a:fld>
             <a:endParaRPr lang="en-US"/>
           </a:p>
@@ -17247,13 +17405,13 @@
   <p:clrMapOvr>
     <a:masterClrMapping/>
   </p:clrMapOvr>
-  <mc:AlternateContent xmlns:mc="http://schemas.openxmlformats.org/markup-compatibility/2006" xmlns:p15="http://schemas.microsoft.com/office/powerpoint/2012/main">
-    <mc:Choice Requires="p15">
-      <p:transition xmlns:p14="http://schemas.microsoft.com/office/powerpoint/2010/main" spd="slow" p14:dur="2000">
+  <mc:AlternateContent xmlns:mc="http://schemas.openxmlformats.org/markup-compatibility/2006">
+    <mc:Choice xmlns:p15="http://schemas.microsoft.com/office/powerpoint/2012/main" Requires="p15">
+      <p:transition xmlns:p14="http://schemas.microsoft.com/office/powerpoint/2010/main" spd="slow" Requires="p14" p14:dur="2000">
         <p15:prstTrans prst="prestige"/>
       </p:transition>
     </mc:Choice>
-    <mc:Fallback xmlns="">
+    <mc:Fallback>
       <p:transition spd="slow">
         <p:fade/>
       </p:transition>
@@ -17732,6 +17890,14 @@
               </a:rPr>
               <a:t>:</a:t>
             </a:r>
+            <a:endParaRPr lang="en-US" sz="3000" b="1" dirty="0">
+              <a:solidFill>
+                <a:schemeClr val="accent1"/>
+              </a:solidFill>
+              <a:latin typeface="Times New Roman" panose="02020603050405020304" pitchFamily="18" charset="0"/>
+              <a:ea typeface="Tahoma" panose="020B0604030504040204" pitchFamily="34" charset="0"/>
+              <a:cs typeface="Tahoma" panose="020B0604030504040204" pitchFamily="34" charset="0"/>
+            </a:endParaRPr>
           </a:p>
           <a:p>
             <a:pPr marL="285750" indent="-285750">
@@ -17754,6 +17920,11 @@
               </a:rPr>
               <a:t>h.</a:t>
             </a:r>
+            <a:endParaRPr lang="en-US" sz="2500" dirty="0">
+              <a:latin typeface="Times New Roman" panose="02020603050405020304" pitchFamily="18" charset="0"/>
+              <a:ea typeface="Tahoma" panose="020B0604030504040204" pitchFamily="34" charset="0"/>
+              <a:cs typeface="Tahoma" panose="020B0604030504040204" pitchFamily="34" charset="0"/>
+            </a:endParaRPr>
           </a:p>
           <a:p>
             <a:pPr marL="285750" indent="-285750">
@@ -17856,6 +18027,11 @@
               </a:rPr>
               <a:t>.</a:t>
             </a:r>
+            <a:endParaRPr lang="en-US" sz="2500" dirty="0">
+              <a:latin typeface="Times New Roman" panose="02020603050405020304" pitchFamily="18" charset="0"/>
+              <a:ea typeface="Tahoma" panose="020B0604030504040204" pitchFamily="34" charset="0"/>
+              <a:cs typeface="Tahoma" panose="020B0604030504040204" pitchFamily="34" charset="0"/>
+            </a:endParaRPr>
           </a:p>
           <a:p>
             <a:pPr marL="285750" indent="-285750">
@@ -17910,6 +18086,11 @@
               </a:rPr>
               <a:t>).</a:t>
             </a:r>
+            <a:endParaRPr lang="en-US" sz="2500" dirty="0">
+              <a:latin typeface="Times New Roman" panose="02020603050405020304" pitchFamily="18" charset="0"/>
+              <a:ea typeface="Tahoma" panose="020B0604030504040204" pitchFamily="34" charset="0"/>
+              <a:cs typeface="Tahoma" panose="020B0604030504040204" pitchFamily="34" charset="0"/>
+            </a:endParaRPr>
           </a:p>
         </p:txBody>
       </p:sp>
@@ -17922,7 +18103,7 @@
           <p:nvPr/>
         </p:nvPicPr>
         <p:blipFill>
-          <a:blip r:embed="rId2">
+          <a:blip r:embed="rId1">
             <a:extLst>
               <a:ext uri="{28A0092B-C50C-407E-A947-70E740481C1C}">
                 <a14:useLocalDpi xmlns:a14="http://schemas.microsoft.com/office/drawing/2010/main" val="0"/>
@@ -18020,6 +18201,14 @@
               </a:rPr>
               <a:t>:</a:t>
             </a:r>
+            <a:endParaRPr lang="en-US" sz="3000" b="1" dirty="0">
+              <a:solidFill>
+                <a:schemeClr val="accent1"/>
+              </a:solidFill>
+              <a:latin typeface="Times New Roman" panose="02020603050405020304" pitchFamily="18" charset="0"/>
+              <a:ea typeface="Tahoma" panose="020B0604030504040204" pitchFamily="34" charset="0"/>
+              <a:cs typeface="Tahoma" panose="020B0604030504040204" pitchFamily="34" charset="0"/>
+            </a:endParaRPr>
           </a:p>
           <a:p>
             <a:pPr marL="285750" indent="-285750">
@@ -18138,6 +18327,11 @@
               </a:rPr>
               <a:t>.</a:t>
             </a:r>
+            <a:endParaRPr lang="en-US" sz="2500" dirty="0">
+              <a:latin typeface="Times New Roman" panose="02020603050405020304" pitchFamily="18" charset="0"/>
+              <a:ea typeface="Tahoma" panose="020B0604030504040204" pitchFamily="34" charset="0"/>
+              <a:cs typeface="Tahoma" panose="020B0604030504040204" pitchFamily="34" charset="0"/>
+            </a:endParaRPr>
           </a:p>
           <a:p>
             <a:pPr marL="285750" indent="-285750">
@@ -18304,6 +18498,11 @@
               </a:rPr>
               <a:t>.</a:t>
             </a:r>
+            <a:endParaRPr lang="en-US" sz="2500" dirty="0">
+              <a:latin typeface="Times New Roman" panose="02020603050405020304" pitchFamily="18" charset="0"/>
+              <a:ea typeface="Tahoma" panose="020B0604030504040204" pitchFamily="34" charset="0"/>
+              <a:cs typeface="Tahoma" panose="020B0604030504040204" pitchFamily="34" charset="0"/>
+            </a:endParaRPr>
           </a:p>
         </p:txBody>
       </p:sp>
@@ -18316,7 +18515,7 @@
           <p:nvPr/>
         </p:nvPicPr>
         <p:blipFill>
-          <a:blip r:embed="rId3">
+          <a:blip r:embed="rId2">
             <a:extLst>
               <a:ext uri="{28A0092B-C50C-407E-A947-70E740481C1C}">
                 <a14:useLocalDpi xmlns:a14="http://schemas.microsoft.com/office/drawing/2010/main" val="0"/>
@@ -18354,7 +18553,6 @@
           <a:p>
             <a:fld id="{6BB9AED3-D2BB-49A3-B8E7-A4A64ED2F011}" type="slidenum">
               <a:rPr lang="en-US" smtClean="0"/>
-              <a:t>7</a:t>
             </a:fld>
             <a:endParaRPr lang="en-US"/>
           </a:p>
@@ -18365,13 +18563,13 @@
   <p:clrMapOvr>
     <a:masterClrMapping/>
   </p:clrMapOvr>
-  <mc:AlternateContent xmlns:mc="http://schemas.openxmlformats.org/markup-compatibility/2006" xmlns:p15="http://schemas.microsoft.com/office/powerpoint/2012/main">
-    <mc:Choice Requires="p15">
-      <p:transition xmlns:p14="http://schemas.microsoft.com/office/powerpoint/2010/main" spd="slow" p14:dur="2000">
+  <mc:AlternateContent xmlns:mc="http://schemas.openxmlformats.org/markup-compatibility/2006">
+    <mc:Choice xmlns:p15="http://schemas.microsoft.com/office/powerpoint/2012/main" Requires="p15">
+      <p:transition xmlns:p14="http://schemas.microsoft.com/office/powerpoint/2010/main" spd="slow" Requires="p14" p14:dur="2000">
         <p15:prstTrans prst="prestige"/>
       </p:transition>
     </mc:Choice>
-    <mc:Fallback xmlns="">
+    <mc:Fallback>
       <p:transition spd="slow">
         <p:fade/>
       </p:transition>
@@ -19152,6 +19350,14 @@
               </a:rPr>
               <a:t>:</a:t>
             </a:r>
+            <a:endParaRPr lang="en-US" sz="3000" b="1" dirty="0">
+              <a:solidFill>
+                <a:schemeClr val="accent1"/>
+              </a:solidFill>
+              <a:latin typeface="Times New Roman" panose="02020603050405020304" pitchFamily="18" charset="0"/>
+              <a:ea typeface="Tahoma" panose="020B0604030504040204" pitchFamily="34" charset="0"/>
+              <a:cs typeface="Tahoma" panose="020B0604030504040204" pitchFamily="34" charset="0"/>
+            </a:endParaRPr>
           </a:p>
           <a:p>
             <a:pPr marL="285750" indent="-285750">
@@ -19182,6 +19388,11 @@
               </a:rPr>
               <a:t>.</a:t>
             </a:r>
+            <a:endParaRPr lang="en-US" sz="2500" dirty="0">
+              <a:latin typeface="Times New Roman" panose="02020603050405020304" pitchFamily="18" charset="0"/>
+              <a:ea typeface="Tahoma" panose="020B0604030504040204" pitchFamily="34" charset="0"/>
+              <a:cs typeface="Tahoma" panose="020B0604030504040204" pitchFamily="34" charset="0"/>
+            </a:endParaRPr>
           </a:p>
           <a:p>
             <a:pPr marL="285750" indent="-285750">
@@ -19252,6 +19463,11 @@
               </a:rPr>
               <a:t>.</a:t>
             </a:r>
+            <a:endParaRPr lang="en-US" sz="2500" dirty="0">
+              <a:latin typeface="Times New Roman" panose="02020603050405020304" pitchFamily="18" charset="0"/>
+              <a:ea typeface="Tahoma" panose="020B0604030504040204" pitchFamily="34" charset="0"/>
+              <a:cs typeface="Tahoma" panose="020B0604030504040204" pitchFamily="34" charset="0"/>
+            </a:endParaRPr>
           </a:p>
           <a:p>
             <a:pPr marL="285750" indent="-285750">
@@ -19274,6 +19490,11 @@
               </a:rPr>
               <a:t>.</a:t>
             </a:r>
+            <a:endParaRPr lang="en-US" sz="2500" dirty="0">
+              <a:latin typeface="Times New Roman" panose="02020603050405020304" pitchFamily="18" charset="0"/>
+              <a:ea typeface="Tahoma" panose="020B0604030504040204" pitchFamily="34" charset="0"/>
+              <a:cs typeface="Tahoma" panose="020B0604030504040204" pitchFamily="34" charset="0"/>
+            </a:endParaRPr>
           </a:p>
           <a:p>
             <a:pPr marL="285750" indent="-285750">
@@ -19424,6 +19645,11 @@
               </a:rPr>
               <a:t>.</a:t>
             </a:r>
+            <a:endParaRPr lang="en-US" sz="2500" dirty="0">
+              <a:latin typeface="Times New Roman" panose="02020603050405020304" pitchFamily="18" charset="0"/>
+              <a:ea typeface="Tahoma" panose="020B0604030504040204" pitchFamily="34" charset="0"/>
+              <a:cs typeface="Tahoma" panose="020B0604030504040204" pitchFamily="34" charset="0"/>
+            </a:endParaRPr>
           </a:p>
         </p:txBody>
       </p:sp>
@@ -19436,7 +19662,7 @@
           <p:nvPr/>
         </p:nvPicPr>
         <p:blipFill>
-          <a:blip r:embed="rId2">
+          <a:blip r:embed="rId1">
             <a:extLst>
               <a:ext uri="{28A0092B-C50C-407E-A947-70E740481C1C}">
                 <a14:useLocalDpi xmlns:a14="http://schemas.microsoft.com/office/drawing/2010/main" val="0"/>
@@ -19474,7 +19700,6 @@
           <a:p>
             <a:fld id="{6BB9AED3-D2BB-49A3-B8E7-A4A64ED2F011}" type="slidenum">
               <a:rPr lang="en-US" smtClean="0"/>
-              <a:t>8</a:t>
             </a:fld>
             <a:endParaRPr lang="en-US"/>
           </a:p>
@@ -19485,13 +19710,13 @@
   <p:clrMapOvr>
     <a:masterClrMapping/>
   </p:clrMapOvr>
-  <mc:AlternateContent xmlns:mc="http://schemas.openxmlformats.org/markup-compatibility/2006" xmlns:p15="http://schemas.microsoft.com/office/powerpoint/2012/main">
-    <mc:Choice Requires="p15">
-      <p:transition xmlns:p14="http://schemas.microsoft.com/office/powerpoint/2010/main" spd="slow" p14:dur="2000">
+  <mc:AlternateContent xmlns:mc="http://schemas.openxmlformats.org/markup-compatibility/2006">
+    <mc:Choice xmlns:p15="http://schemas.microsoft.com/office/powerpoint/2012/main" Requires="p15">
+      <p:transition xmlns:p14="http://schemas.microsoft.com/office/powerpoint/2010/main" spd="slow" Requires="p14" p14:dur="2000">
         <p15:prstTrans prst="prestige"/>
       </p:transition>
     </mc:Choice>
-    <mc:Fallback xmlns="">
+    <mc:Fallback>
       <p:transition spd="slow">
         <p:fade/>
       </p:transition>
@@ -19917,6 +20142,11 @@
               </a:rPr>
               <a:t>.</a:t>
             </a:r>
+            <a:endParaRPr lang="en-GB" sz="2500" dirty="0">
+              <a:latin typeface="Times New Roman" panose="02020603050405020304" pitchFamily="18" charset="0"/>
+              <a:ea typeface="Tahoma" panose="020B0604030504040204" pitchFamily="34" charset="0"/>
+              <a:cs typeface="Tahoma" panose="020B0604030504040204" pitchFamily="34" charset="0"/>
+            </a:endParaRPr>
           </a:p>
           <a:p>
             <a:pPr marL="285750" lvl="0" indent="-285750">
@@ -20309,7 +20539,7 @@
           <p:nvPr/>
         </p:nvPicPr>
         <p:blipFill>
-          <a:blip r:embed="rId2">
+          <a:blip r:embed="rId1">
             <a:extLst>
               <a:ext uri="{28A0092B-C50C-407E-A947-70E740481C1C}">
                 <a14:useLocalDpi xmlns:a14="http://schemas.microsoft.com/office/drawing/2010/main" val="0"/>
@@ -20407,6 +20637,14 @@
               </a:rPr>
               <a:t>ỢC ĐIỂM CỦA WATERFALL:</a:t>
             </a:r>
+            <a:endParaRPr lang="en-US" sz="3500" b="1" dirty="0">
+              <a:solidFill>
+                <a:srgbClr val="0000FF"/>
+              </a:solidFill>
+              <a:latin typeface="Times New Roman" panose="02020603050405020304" pitchFamily="18" charset="0"/>
+              <a:ea typeface="Tahoma" panose="020B0604030504040204" pitchFamily="34" charset="0"/>
+              <a:cs typeface="Tahoma" panose="020B0604030504040204" pitchFamily="34" charset="0"/>
+            </a:endParaRPr>
           </a:p>
         </p:txBody>
       </p:sp>
@@ -20487,6 +20725,14 @@
               </a:rPr>
               <a:t>:</a:t>
             </a:r>
+            <a:endParaRPr lang="en-US" sz="3000" b="1" dirty="0">
+              <a:solidFill>
+                <a:srgbClr val="00B0F0"/>
+              </a:solidFill>
+              <a:latin typeface="Times New Roman" panose="02020603050405020304" pitchFamily="18" charset="0"/>
+              <a:ea typeface="Tahoma" panose="020B0604030504040204" pitchFamily="34" charset="0"/>
+              <a:cs typeface="Tahoma" panose="020B0604030504040204" pitchFamily="34" charset="0"/>
+            </a:endParaRPr>
           </a:p>
         </p:txBody>
       </p:sp>
@@ -20507,7 +20753,6 @@
           <a:p>
             <a:fld id="{6BB9AED3-D2BB-49A3-B8E7-A4A64ED2F011}" type="slidenum">
               <a:rPr lang="en-US" smtClean="0"/>
-              <a:t>9</a:t>
             </a:fld>
             <a:endParaRPr lang="en-US"/>
           </a:p>
@@ -20518,13 +20763,13 @@
   <p:clrMapOvr>
     <a:masterClrMapping/>
   </p:clrMapOvr>
-  <mc:AlternateContent xmlns:mc="http://schemas.openxmlformats.org/markup-compatibility/2006" xmlns:p15="http://schemas.microsoft.com/office/powerpoint/2012/main">
-    <mc:Choice Requires="p15">
-      <p:transition xmlns:p14="http://schemas.microsoft.com/office/powerpoint/2010/main" spd="slow" p14:dur="2000">
+  <mc:AlternateContent xmlns:mc="http://schemas.openxmlformats.org/markup-compatibility/2006">
+    <mc:Choice xmlns:p15="http://schemas.microsoft.com/office/powerpoint/2012/main" Requires="p15">
+      <p:transition xmlns:p14="http://schemas.microsoft.com/office/powerpoint/2010/main" spd="slow" Requires="p14" p14:dur="2000">
         <p15:prstTrans prst="prestige"/>
       </p:transition>
     </mc:Choice>
-    <mc:Fallback xmlns="">
+    <mc:Fallback>
       <p:transition spd="slow">
         <p:fade/>
       </p:transition>
@@ -21103,8 +21348,6 @@
       </a:bgFillStyleLst>
     </a:fmtScheme>
   </a:themeElements>
-  <a:objectDefaults/>
-  <a:extraClrSchemeLst/>
   <a:extLst>
     <a:ext uri="{05A4C25C-085E-4340-85A3-A5531E510DB2}">
       <thm15:themeFamily xmlns:thm15="http://schemas.microsoft.com/office/thememl/2012/main" name="Office Theme" id="{62F939B6-93AF-4DB8-9C6B-D6C7DFDC589F}" vid="{4A3C46E8-61CC-4603-A589-7422A47A8E4A}"/>
@@ -21364,8 +21607,6 @@
       </a:bgFillStyleLst>
     </a:fmtScheme>
   </a:themeElements>
-  <a:objectDefaults/>
-  <a:extraClrSchemeLst/>
   <a:extLst>
     <a:ext uri="{05A4C25C-085E-4340-85A3-A5531E510DB2}">
       <thm15:themeFamily xmlns:thm15="http://schemas.microsoft.com/office/thememl/2012/main" name="Office Theme" id="{62F939B6-93AF-4DB8-9C6B-D6C7DFDC589F}" vid="{4A3C46E8-61CC-4603-A589-7422A47A8E4A}"/>
